--- a/Presentations/Candidacy_2019/candidacy_presentation.pptx
+++ b/Presentations/Candidacy_2019/candidacy_presentation.pptx
@@ -5,16 +5,31 @@
     <p:sldMasterId id="2147483648" r:id="rId1"/>
   </p:sldMasterIdLst>
   <p:notesMasterIdLst>
-    <p:notesMasterId r:id="rId9"/>
+    <p:notesMasterId r:id="rId24"/>
   </p:notesMasterIdLst>
   <p:sldIdLst>
     <p:sldId id="257" r:id="rId2"/>
     <p:sldId id="269" r:id="rId3"/>
-    <p:sldId id="270" r:id="rId4"/>
-    <p:sldId id="271" r:id="rId5"/>
-    <p:sldId id="272" r:id="rId6"/>
-    <p:sldId id="273" r:id="rId7"/>
-    <p:sldId id="274" r:id="rId8"/>
+    <p:sldId id="283" r:id="rId4"/>
+    <p:sldId id="270" r:id="rId5"/>
+    <p:sldId id="271" r:id="rId6"/>
+    <p:sldId id="272" r:id="rId7"/>
+    <p:sldId id="273" r:id="rId8"/>
+    <p:sldId id="284" r:id="rId9"/>
+    <p:sldId id="274" r:id="rId10"/>
+    <p:sldId id="285" r:id="rId11"/>
+    <p:sldId id="275" r:id="rId12"/>
+    <p:sldId id="286" r:id="rId13"/>
+    <p:sldId id="287" r:id="rId14"/>
+    <p:sldId id="276" r:id="rId15"/>
+    <p:sldId id="288" r:id="rId16"/>
+    <p:sldId id="289" r:id="rId17"/>
+    <p:sldId id="277" r:id="rId18"/>
+    <p:sldId id="278" r:id="rId19"/>
+    <p:sldId id="279" r:id="rId20"/>
+    <p:sldId id="280" r:id="rId21"/>
+    <p:sldId id="281" r:id="rId22"/>
+    <p:sldId id="282" r:id="rId23"/>
   </p:sldIdLst>
   <p:sldSz cx="12192000" cy="6858000"/>
   <p:notesSz cx="6858000" cy="9144000"/>
@@ -208,7 +223,7 @@
             <a:fld id="{0A84EC41-ECD6-7F4B-B508-87B276563826}" type="datetimeFigureOut">
               <a:rPr lang="en-US" smtClean="0"/>
               <a:pPr/>
-              <a:t>7/4/19</a:t>
+              <a:t>7/30/19</a:t>
             </a:fld>
             <a:endParaRPr lang="en-US" dirty="0"/>
           </a:p>
@@ -716,7 +731,7 @@
           <a:p>
             <a:fld id="{C752B45F-82BA-0A49-9FDC-DD5F6CBA947D}" type="datetimeFigureOut">
               <a:rPr lang="en-US" smtClean="0"/>
-              <a:t>7/4/19</a:t>
+              <a:t>7/30/19</a:t>
             </a:fld>
             <a:endParaRPr lang="en-US"/>
           </a:p>
@@ -914,7 +929,7 @@
           <a:p>
             <a:fld id="{C752B45F-82BA-0A49-9FDC-DD5F6CBA947D}" type="datetimeFigureOut">
               <a:rPr lang="en-US" smtClean="0"/>
-              <a:t>7/4/19</a:t>
+              <a:t>7/30/19</a:t>
             </a:fld>
             <a:endParaRPr lang="en-US"/>
           </a:p>
@@ -1122,7 +1137,7 @@
           <a:p>
             <a:fld id="{C752B45F-82BA-0A49-9FDC-DD5F6CBA947D}" type="datetimeFigureOut">
               <a:rPr lang="en-US" smtClean="0"/>
-              <a:t>7/4/19</a:t>
+              <a:t>7/30/19</a:t>
             </a:fld>
             <a:endParaRPr lang="en-US"/>
           </a:p>
@@ -1320,7 +1335,7 @@
           <a:p>
             <a:fld id="{C752B45F-82BA-0A49-9FDC-DD5F6CBA947D}" type="datetimeFigureOut">
               <a:rPr lang="en-US" smtClean="0"/>
-              <a:t>7/4/19</a:t>
+              <a:t>7/30/19</a:t>
             </a:fld>
             <a:endParaRPr lang="en-US"/>
           </a:p>
@@ -1595,7 +1610,7 @@
           <a:p>
             <a:fld id="{C752B45F-82BA-0A49-9FDC-DD5F6CBA947D}" type="datetimeFigureOut">
               <a:rPr lang="en-US" smtClean="0"/>
-              <a:t>7/4/19</a:t>
+              <a:t>7/30/19</a:t>
             </a:fld>
             <a:endParaRPr lang="en-US"/>
           </a:p>
@@ -1860,7 +1875,7 @@
           <a:p>
             <a:fld id="{C752B45F-82BA-0A49-9FDC-DD5F6CBA947D}" type="datetimeFigureOut">
               <a:rPr lang="en-US" smtClean="0"/>
-              <a:t>7/4/19</a:t>
+              <a:t>7/30/19</a:t>
             </a:fld>
             <a:endParaRPr lang="en-US"/>
           </a:p>
@@ -2272,7 +2287,7 @@
           <a:p>
             <a:fld id="{C752B45F-82BA-0A49-9FDC-DD5F6CBA947D}" type="datetimeFigureOut">
               <a:rPr lang="en-US" smtClean="0"/>
-              <a:t>7/4/19</a:t>
+              <a:t>7/30/19</a:t>
             </a:fld>
             <a:endParaRPr lang="en-US"/>
           </a:p>
@@ -2413,7 +2428,7 @@
           <a:p>
             <a:fld id="{C752B45F-82BA-0A49-9FDC-DD5F6CBA947D}" type="datetimeFigureOut">
               <a:rPr lang="en-US" smtClean="0"/>
-              <a:t>7/4/19</a:t>
+              <a:t>7/30/19</a:t>
             </a:fld>
             <a:endParaRPr lang="en-US"/>
           </a:p>
@@ -2526,7 +2541,7 @@
           <a:p>
             <a:fld id="{C752B45F-82BA-0A49-9FDC-DD5F6CBA947D}" type="datetimeFigureOut">
               <a:rPr lang="en-US" smtClean="0"/>
-              <a:t>7/4/19</a:t>
+              <a:t>7/30/19</a:t>
             </a:fld>
             <a:endParaRPr lang="en-US"/>
           </a:p>
@@ -2837,7 +2852,7 @@
           <a:p>
             <a:fld id="{C752B45F-82BA-0A49-9FDC-DD5F6CBA947D}" type="datetimeFigureOut">
               <a:rPr lang="en-US" smtClean="0"/>
-              <a:t>7/4/19</a:t>
+              <a:t>7/30/19</a:t>
             </a:fld>
             <a:endParaRPr lang="en-US"/>
           </a:p>
@@ -3128,7 +3143,7 @@
           <a:p>
             <a:fld id="{C752B45F-82BA-0A49-9FDC-DD5F6CBA947D}" type="datetimeFigureOut">
               <a:rPr lang="en-US" smtClean="0"/>
-              <a:t>7/4/19</a:t>
+              <a:t>7/30/19</a:t>
             </a:fld>
             <a:endParaRPr lang="en-US"/>
           </a:p>
@@ -3373,7 +3388,7 @@
             <a:fld id="{C752B45F-82BA-0A49-9FDC-DD5F6CBA947D}" type="datetimeFigureOut">
               <a:rPr lang="en-US" smtClean="0"/>
               <a:pPr/>
-              <a:t>7/4/19</a:t>
+              <a:t>7/30/19</a:t>
             </a:fld>
             <a:endParaRPr lang="en-US" dirty="0"/>
           </a:p>
@@ -3918,6 +3933,1420 @@
 </p:sld>
 </file>
 
+<file path=ppt/slides/slide10.xml><?xml version="1.0" encoding="utf-8"?>
+<p:sld xmlns:a="http://schemas.openxmlformats.org/drawingml/2006/main" xmlns:r="http://schemas.openxmlformats.org/officeDocument/2006/relationships" xmlns:p="http://schemas.openxmlformats.org/presentationml/2006/main">
+  <p:cSld>
+    <p:spTree>
+      <p:nvGrpSpPr>
+        <p:cNvPr id="1" name=""/>
+        <p:cNvGrpSpPr/>
+        <p:nvPr/>
+      </p:nvGrpSpPr>
+      <p:grpSpPr>
+        <a:xfrm>
+          <a:off x="0" y="0"/>
+          <a:ext cx="0" cy="0"/>
+          <a:chOff x="0" y="0"/>
+          <a:chExt cx="0" cy="0"/>
+        </a:xfrm>
+      </p:grpSpPr>
+      <p:sp>
+        <p:nvSpPr>
+          <p:cNvPr id="2" name="Title 1">
+            <a:extLst>
+              <a:ext uri="{FF2B5EF4-FFF2-40B4-BE49-F238E27FC236}">
+                <a16:creationId xmlns:a16="http://schemas.microsoft.com/office/drawing/2014/main" id="{9FECE9C7-FBB0-B54D-8E92-C3BC6CA96ED2}"/>
+              </a:ext>
+            </a:extLst>
+          </p:cNvPr>
+          <p:cNvSpPr>
+            <a:spLocks noGrp="1"/>
+          </p:cNvSpPr>
+          <p:nvPr>
+            <p:ph type="title"/>
+          </p:nvPr>
+        </p:nvSpPr>
+        <p:spPr/>
+        <p:txBody>
+          <a:bodyPr/>
+          <a:lstStyle/>
+          <a:p>
+            <a:pPr>
+              <a:lnSpc>
+                <a:spcPct val="100000"/>
+              </a:lnSpc>
+            </a:pPr>
+            <a:r>
+              <a:rPr lang="en-US" dirty="0">
+                <a:solidFill>
+                  <a:srgbClr val="002060"/>
+                </a:solidFill>
+              </a:rPr>
+              <a:t>Motivate microscopic approaches</a:t>
+            </a:r>
+            <a:endParaRPr lang="en-US" dirty="0">
+              <a:solidFill>
+                <a:srgbClr val="002060"/>
+              </a:solidFill>
+              <a:latin typeface="Arial" panose="020B0604020202020204" pitchFamily="34" charset="0"/>
+            </a:endParaRPr>
+          </a:p>
+        </p:txBody>
+      </p:sp>
+      <p:sp>
+        <p:nvSpPr>
+          <p:cNvPr id="3" name="Content Placeholder 2">
+            <a:extLst>
+              <a:ext uri="{FF2B5EF4-FFF2-40B4-BE49-F238E27FC236}">
+                <a16:creationId xmlns:a16="http://schemas.microsoft.com/office/drawing/2014/main" id="{1A8FA9B3-1B32-894B-93C2-F90FB63CBDAA}"/>
+              </a:ext>
+            </a:extLst>
+          </p:cNvPr>
+          <p:cNvSpPr>
+            <a:spLocks noGrp="1"/>
+          </p:cNvSpPr>
+          <p:nvPr>
+            <p:ph idx="1"/>
+          </p:nvPr>
+        </p:nvSpPr>
+        <p:spPr/>
+        <p:txBody>
+          <a:bodyPr/>
+          <a:lstStyle/>
+          <a:p>
+            <a:pPr>
+              <a:lnSpc>
+                <a:spcPct val="100000"/>
+              </a:lnSpc>
+            </a:pPr>
+            <a:r>
+              <a:rPr lang="en-US" dirty="0"/>
+              <a:t>Transition from shortcomings of phenomenological models</a:t>
+            </a:r>
+          </a:p>
+          <a:p>
+            <a:pPr>
+              <a:lnSpc>
+                <a:spcPct val="100000"/>
+              </a:lnSpc>
+            </a:pPr>
+            <a:r>
+              <a:rPr lang="en-US" dirty="0"/>
+              <a:t>Discuss recent progress</a:t>
+            </a:r>
+          </a:p>
+          <a:p>
+            <a:pPr>
+              <a:lnSpc>
+                <a:spcPct val="100000"/>
+              </a:lnSpc>
+            </a:pPr>
+            <a:r>
+              <a:rPr lang="en-US" dirty="0">
+                <a:latin typeface="Arial" panose="020B0604020202020204" pitchFamily="34" charset="0"/>
+              </a:rPr>
+              <a:t>Figures: nuclear hockey stick, progress on nuclear chart</a:t>
+            </a:r>
+          </a:p>
+        </p:txBody>
+      </p:sp>
+      <p:pic>
+        <p:nvPicPr>
+          <p:cNvPr id="6" name="Picture 5">
+            <a:extLst>
+              <a:ext uri="{FF2B5EF4-FFF2-40B4-BE49-F238E27FC236}">
+                <a16:creationId xmlns:a16="http://schemas.microsoft.com/office/drawing/2014/main" id="{2C2100E6-F4C9-7E40-9881-EBDFA82C1662}"/>
+              </a:ext>
+            </a:extLst>
+          </p:cNvPr>
+          <p:cNvPicPr>
+            <a:picLocks noChangeAspect="1"/>
+          </p:cNvPicPr>
+          <p:nvPr/>
+        </p:nvPicPr>
+        <p:blipFill>
+          <a:blip r:embed="rId2"/>
+          <a:stretch>
+            <a:fillRect/>
+          </a:stretch>
+        </p:blipFill>
+        <p:spPr>
+          <a:xfrm>
+            <a:off x="3386137" y="2378075"/>
+            <a:ext cx="8420100" cy="4114800"/>
+          </a:xfrm>
+          <a:prstGeom prst="rect">
+            <a:avLst/>
+          </a:prstGeom>
+        </p:spPr>
+      </p:pic>
+    </p:spTree>
+    <p:extLst>
+      <p:ext uri="{BB962C8B-B14F-4D97-AF65-F5344CB8AC3E}">
+        <p14:creationId xmlns:p14="http://schemas.microsoft.com/office/powerpoint/2010/main" val="1565783412"/>
+      </p:ext>
+    </p:extLst>
+  </p:cSld>
+  <p:clrMapOvr>
+    <a:masterClrMapping/>
+  </p:clrMapOvr>
+</p:sld>
+</file>
+
+<file path=ppt/slides/slide11.xml><?xml version="1.0" encoding="utf-8"?>
+<p:sld xmlns:a="http://schemas.openxmlformats.org/drawingml/2006/main" xmlns:r="http://schemas.openxmlformats.org/officeDocument/2006/relationships" xmlns:p="http://schemas.openxmlformats.org/presentationml/2006/main">
+  <p:cSld>
+    <p:spTree>
+      <p:nvGrpSpPr>
+        <p:cNvPr id="1" name=""/>
+        <p:cNvGrpSpPr/>
+        <p:nvPr/>
+      </p:nvGrpSpPr>
+      <p:grpSpPr>
+        <a:xfrm>
+          <a:off x="0" y="0"/>
+          <a:ext cx="0" cy="0"/>
+          <a:chOff x="0" y="0"/>
+          <a:chExt cx="0" cy="0"/>
+        </a:xfrm>
+      </p:grpSpPr>
+      <p:sp>
+        <p:nvSpPr>
+          <p:cNvPr id="2" name="Title 1">
+            <a:extLst>
+              <a:ext uri="{FF2B5EF4-FFF2-40B4-BE49-F238E27FC236}">
+                <a16:creationId xmlns:a16="http://schemas.microsoft.com/office/drawing/2014/main" id="{9FECE9C7-FBB0-B54D-8E92-C3BC6CA96ED2}"/>
+              </a:ext>
+            </a:extLst>
+          </p:cNvPr>
+          <p:cNvSpPr>
+            <a:spLocks noGrp="1"/>
+          </p:cNvSpPr>
+          <p:nvPr>
+            <p:ph type="title"/>
+          </p:nvPr>
+        </p:nvSpPr>
+        <p:spPr/>
+        <p:txBody>
+          <a:bodyPr/>
+          <a:lstStyle/>
+          <a:p>
+            <a:pPr>
+              <a:lnSpc>
+                <a:spcPct val="100000"/>
+              </a:lnSpc>
+            </a:pPr>
+            <a:r>
+              <a:rPr lang="en-US" dirty="0">
+                <a:solidFill>
+                  <a:srgbClr val="002060"/>
+                </a:solidFill>
+              </a:rPr>
+              <a:t>Multiple-scattering approach</a:t>
+            </a:r>
+            <a:endParaRPr lang="en-US" dirty="0">
+              <a:solidFill>
+                <a:srgbClr val="002060"/>
+              </a:solidFill>
+              <a:latin typeface="Arial" panose="020B0604020202020204" pitchFamily="34" charset="0"/>
+            </a:endParaRPr>
+          </a:p>
+        </p:txBody>
+      </p:sp>
+      <p:sp>
+        <p:nvSpPr>
+          <p:cNvPr id="3" name="Content Placeholder 2">
+            <a:extLst>
+              <a:ext uri="{FF2B5EF4-FFF2-40B4-BE49-F238E27FC236}">
+                <a16:creationId xmlns:a16="http://schemas.microsoft.com/office/drawing/2014/main" id="{1A8FA9B3-1B32-894B-93C2-F90FB63CBDAA}"/>
+              </a:ext>
+            </a:extLst>
+          </p:cNvPr>
+          <p:cNvSpPr>
+            <a:spLocks noGrp="1"/>
+          </p:cNvSpPr>
+          <p:nvPr>
+            <p:ph idx="1"/>
+          </p:nvPr>
+        </p:nvSpPr>
+        <p:spPr/>
+        <p:txBody>
+          <a:bodyPr/>
+          <a:lstStyle/>
+          <a:p>
+            <a:pPr>
+              <a:lnSpc>
+                <a:spcPct val="100000"/>
+              </a:lnSpc>
+            </a:pPr>
+            <a:r>
+              <a:rPr lang="en-US" dirty="0"/>
+              <a:t>Briefly summarize formalism (T-matrix and spectator expansion)</a:t>
+            </a:r>
+          </a:p>
+          <a:p>
+            <a:pPr>
+              <a:lnSpc>
+                <a:spcPct val="100000"/>
+              </a:lnSpc>
+            </a:pPr>
+            <a:r>
+              <a:rPr lang="en-US" dirty="0"/>
+              <a:t>Successes and limitations with results to reference</a:t>
+            </a:r>
+            <a:endParaRPr lang="en-US" dirty="0">
+              <a:latin typeface="Arial" panose="020B0604020202020204" pitchFamily="34" charset="0"/>
+            </a:endParaRPr>
+          </a:p>
+        </p:txBody>
+      </p:sp>
+    </p:spTree>
+    <p:extLst>
+      <p:ext uri="{BB962C8B-B14F-4D97-AF65-F5344CB8AC3E}">
+        <p14:creationId xmlns:p14="http://schemas.microsoft.com/office/powerpoint/2010/main" val="2625207644"/>
+      </p:ext>
+    </p:extLst>
+  </p:cSld>
+  <p:clrMapOvr>
+    <a:masterClrMapping/>
+  </p:clrMapOvr>
+</p:sld>
+</file>
+
+<file path=ppt/slides/slide12.xml><?xml version="1.0" encoding="utf-8"?>
+<p:sld xmlns:a="http://schemas.openxmlformats.org/drawingml/2006/main" xmlns:r="http://schemas.openxmlformats.org/officeDocument/2006/relationships" xmlns:p="http://schemas.openxmlformats.org/presentationml/2006/main">
+  <p:cSld>
+    <p:spTree>
+      <p:nvGrpSpPr>
+        <p:cNvPr id="1" name=""/>
+        <p:cNvGrpSpPr/>
+        <p:nvPr/>
+      </p:nvGrpSpPr>
+      <p:grpSpPr>
+        <a:xfrm>
+          <a:off x="0" y="0"/>
+          <a:ext cx="0" cy="0"/>
+          <a:chOff x="0" y="0"/>
+          <a:chExt cx="0" cy="0"/>
+        </a:xfrm>
+      </p:grpSpPr>
+      <p:sp>
+        <p:nvSpPr>
+          <p:cNvPr id="2" name="Title 1">
+            <a:extLst>
+              <a:ext uri="{FF2B5EF4-FFF2-40B4-BE49-F238E27FC236}">
+                <a16:creationId xmlns:a16="http://schemas.microsoft.com/office/drawing/2014/main" id="{9FECE9C7-FBB0-B54D-8E92-C3BC6CA96ED2}"/>
+              </a:ext>
+            </a:extLst>
+          </p:cNvPr>
+          <p:cNvSpPr>
+            <a:spLocks noGrp="1"/>
+          </p:cNvSpPr>
+          <p:nvPr>
+            <p:ph type="title"/>
+          </p:nvPr>
+        </p:nvSpPr>
+        <p:spPr/>
+        <p:txBody>
+          <a:bodyPr/>
+          <a:lstStyle/>
+          <a:p>
+            <a:pPr>
+              <a:lnSpc>
+                <a:spcPct val="100000"/>
+              </a:lnSpc>
+            </a:pPr>
+            <a:r>
+              <a:rPr lang="en-US" dirty="0">
+                <a:solidFill>
+                  <a:srgbClr val="002060"/>
+                </a:solidFill>
+              </a:rPr>
+              <a:t>Multiple-scattering approach</a:t>
+            </a:r>
+            <a:endParaRPr lang="en-US" dirty="0">
+              <a:solidFill>
+                <a:srgbClr val="002060"/>
+              </a:solidFill>
+              <a:latin typeface="Arial" panose="020B0604020202020204" pitchFamily="34" charset="0"/>
+            </a:endParaRPr>
+          </a:p>
+        </p:txBody>
+      </p:sp>
+      <p:sp>
+        <p:nvSpPr>
+          <p:cNvPr id="3" name="Content Placeholder 2">
+            <a:extLst>
+              <a:ext uri="{FF2B5EF4-FFF2-40B4-BE49-F238E27FC236}">
+                <a16:creationId xmlns:a16="http://schemas.microsoft.com/office/drawing/2014/main" id="{1A8FA9B3-1B32-894B-93C2-F90FB63CBDAA}"/>
+              </a:ext>
+            </a:extLst>
+          </p:cNvPr>
+          <p:cNvSpPr>
+            <a:spLocks noGrp="1"/>
+          </p:cNvSpPr>
+          <p:nvPr>
+            <p:ph idx="1"/>
+          </p:nvPr>
+        </p:nvSpPr>
+        <p:spPr/>
+        <p:txBody>
+          <a:bodyPr/>
+          <a:lstStyle/>
+          <a:p>
+            <a:pPr>
+              <a:lnSpc>
+                <a:spcPct val="100000"/>
+              </a:lnSpc>
+            </a:pPr>
+            <a:r>
+              <a:rPr lang="en-US" dirty="0"/>
+              <a:t>Briefly summarize formalism (T-matrix and spectator expansion)</a:t>
+            </a:r>
+          </a:p>
+          <a:p>
+            <a:pPr>
+              <a:lnSpc>
+                <a:spcPct val="100000"/>
+              </a:lnSpc>
+            </a:pPr>
+            <a:r>
+              <a:rPr lang="en-US" dirty="0"/>
+              <a:t>Successes and limitations with results to reference</a:t>
+            </a:r>
+            <a:endParaRPr lang="en-US" dirty="0">
+              <a:latin typeface="Arial" panose="020B0604020202020204" pitchFamily="34" charset="0"/>
+            </a:endParaRPr>
+          </a:p>
+        </p:txBody>
+      </p:sp>
+      <p:pic>
+        <p:nvPicPr>
+          <p:cNvPr id="6" name="Picture 5">
+            <a:extLst>
+              <a:ext uri="{FF2B5EF4-FFF2-40B4-BE49-F238E27FC236}">
+                <a16:creationId xmlns:a16="http://schemas.microsoft.com/office/drawing/2014/main" id="{43BB503A-408D-EA47-AF64-C75FCEE63EB4}"/>
+              </a:ext>
+            </a:extLst>
+          </p:cNvPr>
+          <p:cNvPicPr>
+            <a:picLocks noChangeAspect="1"/>
+          </p:cNvPicPr>
+          <p:nvPr/>
+        </p:nvPicPr>
+        <p:blipFill>
+          <a:blip r:embed="rId2"/>
+          <a:stretch>
+            <a:fillRect/>
+          </a:stretch>
+        </p:blipFill>
+        <p:spPr>
+          <a:xfrm>
+            <a:off x="4914900" y="3865562"/>
+            <a:ext cx="2362200" cy="1041400"/>
+          </a:xfrm>
+          <a:prstGeom prst="rect">
+            <a:avLst/>
+          </a:prstGeom>
+        </p:spPr>
+      </p:pic>
+    </p:spTree>
+    <p:extLst>
+      <p:ext uri="{BB962C8B-B14F-4D97-AF65-F5344CB8AC3E}">
+        <p14:creationId xmlns:p14="http://schemas.microsoft.com/office/powerpoint/2010/main" val="3263543802"/>
+      </p:ext>
+    </p:extLst>
+  </p:cSld>
+  <p:clrMapOvr>
+    <a:masterClrMapping/>
+  </p:clrMapOvr>
+</p:sld>
+</file>
+
+<file path=ppt/slides/slide13.xml><?xml version="1.0" encoding="utf-8"?>
+<p:sld xmlns:a="http://schemas.openxmlformats.org/drawingml/2006/main" xmlns:r="http://schemas.openxmlformats.org/officeDocument/2006/relationships" xmlns:p="http://schemas.openxmlformats.org/presentationml/2006/main">
+  <p:cSld>
+    <p:spTree>
+      <p:nvGrpSpPr>
+        <p:cNvPr id="1" name=""/>
+        <p:cNvGrpSpPr/>
+        <p:nvPr/>
+      </p:nvGrpSpPr>
+      <p:grpSpPr>
+        <a:xfrm>
+          <a:off x="0" y="0"/>
+          <a:ext cx="0" cy="0"/>
+          <a:chOff x="0" y="0"/>
+          <a:chExt cx="0" cy="0"/>
+        </a:xfrm>
+      </p:grpSpPr>
+      <p:sp>
+        <p:nvSpPr>
+          <p:cNvPr id="2" name="Title 1">
+            <a:extLst>
+              <a:ext uri="{FF2B5EF4-FFF2-40B4-BE49-F238E27FC236}">
+                <a16:creationId xmlns:a16="http://schemas.microsoft.com/office/drawing/2014/main" id="{9FECE9C7-FBB0-B54D-8E92-C3BC6CA96ED2}"/>
+              </a:ext>
+            </a:extLst>
+          </p:cNvPr>
+          <p:cNvSpPr>
+            <a:spLocks noGrp="1"/>
+          </p:cNvSpPr>
+          <p:nvPr>
+            <p:ph type="title"/>
+          </p:nvPr>
+        </p:nvSpPr>
+        <p:spPr/>
+        <p:txBody>
+          <a:bodyPr/>
+          <a:lstStyle/>
+          <a:p>
+            <a:pPr>
+              <a:lnSpc>
+                <a:spcPct val="100000"/>
+              </a:lnSpc>
+            </a:pPr>
+            <a:r>
+              <a:rPr lang="en-US" dirty="0">
+                <a:solidFill>
+                  <a:srgbClr val="002060"/>
+                </a:solidFill>
+              </a:rPr>
+              <a:t>Multiple-scattering approach</a:t>
+            </a:r>
+            <a:endParaRPr lang="en-US" dirty="0">
+              <a:solidFill>
+                <a:srgbClr val="002060"/>
+              </a:solidFill>
+              <a:latin typeface="Arial" panose="020B0604020202020204" pitchFamily="34" charset="0"/>
+            </a:endParaRPr>
+          </a:p>
+        </p:txBody>
+      </p:sp>
+      <p:sp>
+        <p:nvSpPr>
+          <p:cNvPr id="3" name="Content Placeholder 2">
+            <a:extLst>
+              <a:ext uri="{FF2B5EF4-FFF2-40B4-BE49-F238E27FC236}">
+                <a16:creationId xmlns:a16="http://schemas.microsoft.com/office/drawing/2014/main" id="{1A8FA9B3-1B32-894B-93C2-F90FB63CBDAA}"/>
+              </a:ext>
+            </a:extLst>
+          </p:cNvPr>
+          <p:cNvSpPr>
+            <a:spLocks noGrp="1"/>
+          </p:cNvSpPr>
+          <p:nvPr>
+            <p:ph idx="1"/>
+          </p:nvPr>
+        </p:nvSpPr>
+        <p:spPr/>
+        <p:txBody>
+          <a:bodyPr/>
+          <a:lstStyle/>
+          <a:p>
+            <a:pPr>
+              <a:lnSpc>
+                <a:spcPct val="100000"/>
+              </a:lnSpc>
+            </a:pPr>
+            <a:r>
+              <a:rPr lang="en-US" dirty="0"/>
+              <a:t>Briefly summarize formalism (T-matrix and spectator expansion)</a:t>
+            </a:r>
+          </a:p>
+          <a:p>
+            <a:pPr>
+              <a:lnSpc>
+                <a:spcPct val="100000"/>
+              </a:lnSpc>
+            </a:pPr>
+            <a:r>
+              <a:rPr lang="en-US" dirty="0"/>
+              <a:t>Successes and limitations with results to reference</a:t>
+            </a:r>
+            <a:endParaRPr lang="en-US" dirty="0">
+              <a:latin typeface="Arial" panose="020B0604020202020204" pitchFamily="34" charset="0"/>
+            </a:endParaRPr>
+          </a:p>
+        </p:txBody>
+      </p:sp>
+      <p:pic>
+        <p:nvPicPr>
+          <p:cNvPr id="4" name="Picture 3">
+            <a:extLst>
+              <a:ext uri="{FF2B5EF4-FFF2-40B4-BE49-F238E27FC236}">
+                <a16:creationId xmlns:a16="http://schemas.microsoft.com/office/drawing/2014/main" id="{4F7FE558-7A36-1B48-B7AB-74655287F184}"/>
+              </a:ext>
+            </a:extLst>
+          </p:cNvPr>
+          <p:cNvPicPr>
+            <a:picLocks noChangeAspect="1"/>
+          </p:cNvPicPr>
+          <p:nvPr/>
+        </p:nvPicPr>
+        <p:blipFill>
+          <a:blip r:embed="rId2"/>
+          <a:stretch>
+            <a:fillRect/>
+          </a:stretch>
+        </p:blipFill>
+        <p:spPr>
+          <a:xfrm>
+            <a:off x="8301037" y="681037"/>
+            <a:ext cx="3276600" cy="5207000"/>
+          </a:xfrm>
+          <a:prstGeom prst="rect">
+            <a:avLst/>
+          </a:prstGeom>
+        </p:spPr>
+      </p:pic>
+    </p:spTree>
+    <p:extLst>
+      <p:ext uri="{BB962C8B-B14F-4D97-AF65-F5344CB8AC3E}">
+        <p14:creationId xmlns:p14="http://schemas.microsoft.com/office/powerpoint/2010/main" val="2344153716"/>
+      </p:ext>
+    </p:extLst>
+  </p:cSld>
+  <p:clrMapOvr>
+    <a:masterClrMapping/>
+  </p:clrMapOvr>
+</p:sld>
+</file>
+
+<file path=ppt/slides/slide14.xml><?xml version="1.0" encoding="utf-8"?>
+<p:sld xmlns:a="http://schemas.openxmlformats.org/drawingml/2006/main" xmlns:r="http://schemas.openxmlformats.org/officeDocument/2006/relationships" xmlns:p="http://schemas.openxmlformats.org/presentationml/2006/main">
+  <p:cSld>
+    <p:spTree>
+      <p:nvGrpSpPr>
+        <p:cNvPr id="1" name=""/>
+        <p:cNvGrpSpPr/>
+        <p:nvPr/>
+      </p:nvGrpSpPr>
+      <p:grpSpPr>
+        <a:xfrm>
+          <a:off x="0" y="0"/>
+          <a:ext cx="0" cy="0"/>
+          <a:chOff x="0" y="0"/>
+          <a:chExt cx="0" cy="0"/>
+        </a:xfrm>
+      </p:grpSpPr>
+      <p:sp>
+        <p:nvSpPr>
+          <p:cNvPr id="2" name="Title 1">
+            <a:extLst>
+              <a:ext uri="{FF2B5EF4-FFF2-40B4-BE49-F238E27FC236}">
+                <a16:creationId xmlns:a16="http://schemas.microsoft.com/office/drawing/2014/main" id="{9FECE9C7-FBB0-B54D-8E92-C3BC6CA96ED2}"/>
+              </a:ext>
+            </a:extLst>
+          </p:cNvPr>
+          <p:cNvSpPr>
+            <a:spLocks noGrp="1"/>
+          </p:cNvSpPr>
+          <p:nvPr>
+            <p:ph type="title"/>
+          </p:nvPr>
+        </p:nvSpPr>
+        <p:spPr/>
+        <p:txBody>
+          <a:bodyPr>
+            <a:normAutofit fontScale="90000"/>
+          </a:bodyPr>
+          <a:lstStyle/>
+          <a:p>
+            <a:pPr>
+              <a:lnSpc>
+                <a:spcPct val="100000"/>
+              </a:lnSpc>
+            </a:pPr>
+            <a:r>
+              <a:rPr lang="en-US" dirty="0">
+                <a:solidFill>
+                  <a:srgbClr val="002060"/>
+                </a:solidFill>
+              </a:rPr>
+              <a:t>Nucleon self-energy with chiral interactions</a:t>
+            </a:r>
+            <a:endParaRPr lang="en-US" dirty="0">
+              <a:solidFill>
+                <a:srgbClr val="002060"/>
+              </a:solidFill>
+              <a:latin typeface="Arial" panose="020B0604020202020204" pitchFamily="34" charset="0"/>
+            </a:endParaRPr>
+          </a:p>
+        </p:txBody>
+      </p:sp>
+      <p:sp>
+        <p:nvSpPr>
+          <p:cNvPr id="3" name="Content Placeholder 2">
+            <a:extLst>
+              <a:ext uri="{FF2B5EF4-FFF2-40B4-BE49-F238E27FC236}">
+                <a16:creationId xmlns:a16="http://schemas.microsoft.com/office/drawing/2014/main" id="{1A8FA9B3-1B32-894B-93C2-F90FB63CBDAA}"/>
+              </a:ext>
+            </a:extLst>
+          </p:cNvPr>
+          <p:cNvSpPr>
+            <a:spLocks noGrp="1"/>
+          </p:cNvSpPr>
+          <p:nvPr>
+            <p:ph idx="1"/>
+          </p:nvPr>
+        </p:nvSpPr>
+        <p:spPr/>
+        <p:txBody>
+          <a:bodyPr/>
+          <a:lstStyle/>
+          <a:p>
+            <a:pPr>
+              <a:lnSpc>
+                <a:spcPct val="100000"/>
+              </a:lnSpc>
+            </a:pPr>
+            <a:r>
+              <a:rPr lang="en-US" dirty="0"/>
+              <a:t>Briefly summarize nucleon self-energy and connection to optical potentials (diagrams from Holt paper)</a:t>
+            </a:r>
+          </a:p>
+          <a:p>
+            <a:pPr>
+              <a:lnSpc>
+                <a:spcPct val="100000"/>
+              </a:lnSpc>
+            </a:pPr>
+            <a:r>
+              <a:rPr lang="en-US" dirty="0"/>
+              <a:t>Briefly summarize chiral EFT</a:t>
+            </a:r>
+          </a:p>
+          <a:p>
+            <a:pPr>
+              <a:lnSpc>
+                <a:spcPct val="100000"/>
+              </a:lnSpc>
+            </a:pPr>
+            <a:r>
+              <a:rPr lang="en-US" dirty="0"/>
+              <a:t>Calculation of self-energy?</a:t>
+            </a:r>
+          </a:p>
+          <a:p>
+            <a:pPr>
+              <a:lnSpc>
+                <a:spcPct val="100000"/>
+              </a:lnSpc>
+            </a:pPr>
+            <a:r>
+              <a:rPr lang="en-US" dirty="0"/>
+              <a:t>Successes and limitations with results to reference</a:t>
+            </a:r>
+            <a:endParaRPr lang="en-US" dirty="0">
+              <a:latin typeface="Arial" panose="020B0604020202020204" pitchFamily="34" charset="0"/>
+            </a:endParaRPr>
+          </a:p>
+        </p:txBody>
+      </p:sp>
+    </p:spTree>
+    <p:extLst>
+      <p:ext uri="{BB962C8B-B14F-4D97-AF65-F5344CB8AC3E}">
+        <p14:creationId xmlns:p14="http://schemas.microsoft.com/office/powerpoint/2010/main" val="84163904"/>
+      </p:ext>
+    </p:extLst>
+  </p:cSld>
+  <p:clrMapOvr>
+    <a:masterClrMapping/>
+  </p:clrMapOvr>
+</p:sld>
+</file>
+
+<file path=ppt/slides/slide15.xml><?xml version="1.0" encoding="utf-8"?>
+<p:sld xmlns:a="http://schemas.openxmlformats.org/drawingml/2006/main" xmlns:r="http://schemas.openxmlformats.org/officeDocument/2006/relationships" xmlns:p="http://schemas.openxmlformats.org/presentationml/2006/main">
+  <p:cSld>
+    <p:spTree>
+      <p:nvGrpSpPr>
+        <p:cNvPr id="1" name=""/>
+        <p:cNvGrpSpPr/>
+        <p:nvPr/>
+      </p:nvGrpSpPr>
+      <p:grpSpPr>
+        <a:xfrm>
+          <a:off x="0" y="0"/>
+          <a:ext cx="0" cy="0"/>
+          <a:chOff x="0" y="0"/>
+          <a:chExt cx="0" cy="0"/>
+        </a:xfrm>
+      </p:grpSpPr>
+      <p:sp>
+        <p:nvSpPr>
+          <p:cNvPr id="2" name="Title 1">
+            <a:extLst>
+              <a:ext uri="{FF2B5EF4-FFF2-40B4-BE49-F238E27FC236}">
+                <a16:creationId xmlns:a16="http://schemas.microsoft.com/office/drawing/2014/main" id="{9FECE9C7-FBB0-B54D-8E92-C3BC6CA96ED2}"/>
+              </a:ext>
+            </a:extLst>
+          </p:cNvPr>
+          <p:cNvSpPr>
+            <a:spLocks noGrp="1"/>
+          </p:cNvSpPr>
+          <p:nvPr>
+            <p:ph type="title"/>
+          </p:nvPr>
+        </p:nvSpPr>
+        <p:spPr/>
+        <p:txBody>
+          <a:bodyPr>
+            <a:normAutofit fontScale="90000"/>
+          </a:bodyPr>
+          <a:lstStyle/>
+          <a:p>
+            <a:pPr>
+              <a:lnSpc>
+                <a:spcPct val="100000"/>
+              </a:lnSpc>
+            </a:pPr>
+            <a:r>
+              <a:rPr lang="en-US" dirty="0">
+                <a:solidFill>
+                  <a:srgbClr val="002060"/>
+                </a:solidFill>
+              </a:rPr>
+              <a:t>Nucleon self-energy with chiral interactions</a:t>
+            </a:r>
+            <a:endParaRPr lang="en-US" dirty="0">
+              <a:solidFill>
+                <a:srgbClr val="002060"/>
+              </a:solidFill>
+              <a:latin typeface="Arial" panose="020B0604020202020204" pitchFamily="34" charset="0"/>
+            </a:endParaRPr>
+          </a:p>
+        </p:txBody>
+      </p:sp>
+      <p:sp>
+        <p:nvSpPr>
+          <p:cNvPr id="3" name="Content Placeholder 2">
+            <a:extLst>
+              <a:ext uri="{FF2B5EF4-FFF2-40B4-BE49-F238E27FC236}">
+                <a16:creationId xmlns:a16="http://schemas.microsoft.com/office/drawing/2014/main" id="{1A8FA9B3-1B32-894B-93C2-F90FB63CBDAA}"/>
+              </a:ext>
+            </a:extLst>
+          </p:cNvPr>
+          <p:cNvSpPr>
+            <a:spLocks noGrp="1"/>
+          </p:cNvSpPr>
+          <p:nvPr>
+            <p:ph idx="1"/>
+          </p:nvPr>
+        </p:nvSpPr>
+        <p:spPr/>
+        <p:txBody>
+          <a:bodyPr/>
+          <a:lstStyle/>
+          <a:p>
+            <a:pPr>
+              <a:lnSpc>
+                <a:spcPct val="100000"/>
+              </a:lnSpc>
+            </a:pPr>
+            <a:r>
+              <a:rPr lang="en-US" dirty="0"/>
+              <a:t>Briefly summarize nucleon self-energy and connection to optical potentials (diagrams from Holt paper)</a:t>
+            </a:r>
+          </a:p>
+          <a:p>
+            <a:pPr>
+              <a:lnSpc>
+                <a:spcPct val="100000"/>
+              </a:lnSpc>
+            </a:pPr>
+            <a:r>
+              <a:rPr lang="en-US" dirty="0"/>
+              <a:t>Briefly summarize chiral EFT</a:t>
+            </a:r>
+          </a:p>
+          <a:p>
+            <a:pPr>
+              <a:lnSpc>
+                <a:spcPct val="100000"/>
+              </a:lnSpc>
+            </a:pPr>
+            <a:r>
+              <a:rPr lang="en-US" dirty="0"/>
+              <a:t>Calculation of self-energy?</a:t>
+            </a:r>
+          </a:p>
+          <a:p>
+            <a:pPr>
+              <a:lnSpc>
+                <a:spcPct val="100000"/>
+              </a:lnSpc>
+            </a:pPr>
+            <a:r>
+              <a:rPr lang="en-US" dirty="0"/>
+              <a:t>Successes and limitations with results to reference</a:t>
+            </a:r>
+            <a:endParaRPr lang="en-US" dirty="0">
+              <a:latin typeface="Arial" panose="020B0604020202020204" pitchFamily="34" charset="0"/>
+            </a:endParaRPr>
+          </a:p>
+        </p:txBody>
+      </p:sp>
+      <p:pic>
+        <p:nvPicPr>
+          <p:cNvPr id="6" name="Picture 5">
+            <a:extLst>
+              <a:ext uri="{FF2B5EF4-FFF2-40B4-BE49-F238E27FC236}">
+                <a16:creationId xmlns:a16="http://schemas.microsoft.com/office/drawing/2014/main" id="{948CA319-CFB6-8C4D-B398-E338A4597080}"/>
+              </a:ext>
+            </a:extLst>
+          </p:cNvPr>
+          <p:cNvPicPr>
+            <a:picLocks noChangeAspect="1"/>
+          </p:cNvPicPr>
+          <p:nvPr/>
+        </p:nvPicPr>
+        <p:blipFill>
+          <a:blip r:embed="rId2"/>
+          <a:stretch>
+            <a:fillRect/>
+          </a:stretch>
+        </p:blipFill>
+        <p:spPr>
+          <a:xfrm>
+            <a:off x="5616575" y="4686300"/>
+            <a:ext cx="2616200" cy="914400"/>
+          </a:xfrm>
+          <a:prstGeom prst="rect">
+            <a:avLst/>
+          </a:prstGeom>
+        </p:spPr>
+      </p:pic>
+    </p:spTree>
+    <p:extLst>
+      <p:ext uri="{BB962C8B-B14F-4D97-AF65-F5344CB8AC3E}">
+        <p14:creationId xmlns:p14="http://schemas.microsoft.com/office/powerpoint/2010/main" val="868525179"/>
+      </p:ext>
+    </p:extLst>
+  </p:cSld>
+  <p:clrMapOvr>
+    <a:masterClrMapping/>
+  </p:clrMapOvr>
+</p:sld>
+</file>
+
+<file path=ppt/slides/slide16.xml><?xml version="1.0" encoding="utf-8"?>
+<p:sld xmlns:a="http://schemas.openxmlformats.org/drawingml/2006/main" xmlns:r="http://schemas.openxmlformats.org/officeDocument/2006/relationships" xmlns:p="http://schemas.openxmlformats.org/presentationml/2006/main">
+  <p:cSld>
+    <p:spTree>
+      <p:nvGrpSpPr>
+        <p:cNvPr id="1" name=""/>
+        <p:cNvGrpSpPr/>
+        <p:nvPr/>
+      </p:nvGrpSpPr>
+      <p:grpSpPr>
+        <a:xfrm>
+          <a:off x="0" y="0"/>
+          <a:ext cx="0" cy="0"/>
+          <a:chOff x="0" y="0"/>
+          <a:chExt cx="0" cy="0"/>
+        </a:xfrm>
+      </p:grpSpPr>
+      <p:sp>
+        <p:nvSpPr>
+          <p:cNvPr id="2" name="Title 1">
+            <a:extLst>
+              <a:ext uri="{FF2B5EF4-FFF2-40B4-BE49-F238E27FC236}">
+                <a16:creationId xmlns:a16="http://schemas.microsoft.com/office/drawing/2014/main" id="{9FECE9C7-FBB0-B54D-8E92-C3BC6CA96ED2}"/>
+              </a:ext>
+            </a:extLst>
+          </p:cNvPr>
+          <p:cNvSpPr>
+            <a:spLocks noGrp="1"/>
+          </p:cNvSpPr>
+          <p:nvPr>
+            <p:ph type="title"/>
+          </p:nvPr>
+        </p:nvSpPr>
+        <p:spPr/>
+        <p:txBody>
+          <a:bodyPr>
+            <a:normAutofit fontScale="90000"/>
+          </a:bodyPr>
+          <a:lstStyle/>
+          <a:p>
+            <a:pPr>
+              <a:lnSpc>
+                <a:spcPct val="100000"/>
+              </a:lnSpc>
+            </a:pPr>
+            <a:r>
+              <a:rPr lang="en-US" dirty="0">
+                <a:solidFill>
+                  <a:srgbClr val="002060"/>
+                </a:solidFill>
+              </a:rPr>
+              <a:t>Nucleon self-energy with chiral interactions</a:t>
+            </a:r>
+            <a:endParaRPr lang="en-US" dirty="0">
+              <a:solidFill>
+                <a:srgbClr val="002060"/>
+              </a:solidFill>
+              <a:latin typeface="Arial" panose="020B0604020202020204" pitchFamily="34" charset="0"/>
+            </a:endParaRPr>
+          </a:p>
+        </p:txBody>
+      </p:sp>
+      <p:sp>
+        <p:nvSpPr>
+          <p:cNvPr id="3" name="Content Placeholder 2">
+            <a:extLst>
+              <a:ext uri="{FF2B5EF4-FFF2-40B4-BE49-F238E27FC236}">
+                <a16:creationId xmlns:a16="http://schemas.microsoft.com/office/drawing/2014/main" id="{1A8FA9B3-1B32-894B-93C2-F90FB63CBDAA}"/>
+              </a:ext>
+            </a:extLst>
+          </p:cNvPr>
+          <p:cNvSpPr>
+            <a:spLocks noGrp="1"/>
+          </p:cNvSpPr>
+          <p:nvPr>
+            <p:ph idx="1"/>
+          </p:nvPr>
+        </p:nvSpPr>
+        <p:spPr/>
+        <p:txBody>
+          <a:bodyPr/>
+          <a:lstStyle/>
+          <a:p>
+            <a:pPr>
+              <a:lnSpc>
+                <a:spcPct val="100000"/>
+              </a:lnSpc>
+            </a:pPr>
+            <a:r>
+              <a:rPr lang="en-US" dirty="0"/>
+              <a:t>Briefly summarize nucleon self-energy and connection to optical potentials (diagrams from Holt paper)</a:t>
+            </a:r>
+          </a:p>
+          <a:p>
+            <a:pPr>
+              <a:lnSpc>
+                <a:spcPct val="100000"/>
+              </a:lnSpc>
+            </a:pPr>
+            <a:r>
+              <a:rPr lang="en-US" dirty="0"/>
+              <a:t>Briefly summarize chiral EFT</a:t>
+            </a:r>
+          </a:p>
+          <a:p>
+            <a:pPr>
+              <a:lnSpc>
+                <a:spcPct val="100000"/>
+              </a:lnSpc>
+            </a:pPr>
+            <a:r>
+              <a:rPr lang="en-US" dirty="0"/>
+              <a:t>Calculation of self-energy?</a:t>
+            </a:r>
+          </a:p>
+          <a:p>
+            <a:pPr>
+              <a:lnSpc>
+                <a:spcPct val="100000"/>
+              </a:lnSpc>
+            </a:pPr>
+            <a:r>
+              <a:rPr lang="en-US" dirty="0"/>
+              <a:t>Successes and limitations with results to reference</a:t>
+            </a:r>
+            <a:endParaRPr lang="en-US" dirty="0">
+              <a:latin typeface="Arial" panose="020B0604020202020204" pitchFamily="34" charset="0"/>
+            </a:endParaRPr>
+          </a:p>
+        </p:txBody>
+      </p:sp>
+      <p:pic>
+        <p:nvPicPr>
+          <p:cNvPr id="4" name="Picture 3">
+            <a:extLst>
+              <a:ext uri="{FF2B5EF4-FFF2-40B4-BE49-F238E27FC236}">
+                <a16:creationId xmlns:a16="http://schemas.microsoft.com/office/drawing/2014/main" id="{6B853B76-39B7-274C-AB25-1DCA41D7CD86}"/>
+              </a:ext>
+            </a:extLst>
+          </p:cNvPr>
+          <p:cNvPicPr>
+            <a:picLocks noChangeAspect="1"/>
+          </p:cNvPicPr>
+          <p:nvPr/>
+        </p:nvPicPr>
+        <p:blipFill>
+          <a:blip r:embed="rId2"/>
+          <a:stretch>
+            <a:fillRect/>
+          </a:stretch>
+        </p:blipFill>
+        <p:spPr>
+          <a:xfrm>
+            <a:off x="5245100" y="3429000"/>
+            <a:ext cx="5930900" cy="2590800"/>
+          </a:xfrm>
+          <a:prstGeom prst="rect">
+            <a:avLst/>
+          </a:prstGeom>
+        </p:spPr>
+      </p:pic>
+    </p:spTree>
+    <p:extLst>
+      <p:ext uri="{BB962C8B-B14F-4D97-AF65-F5344CB8AC3E}">
+        <p14:creationId xmlns:p14="http://schemas.microsoft.com/office/powerpoint/2010/main" val="337468585"/>
+      </p:ext>
+    </p:extLst>
+  </p:cSld>
+  <p:clrMapOvr>
+    <a:masterClrMapping/>
+  </p:clrMapOvr>
+</p:sld>
+</file>
+
+<file path=ppt/slides/slide17.xml><?xml version="1.0" encoding="utf-8"?>
+<p:sld xmlns:a="http://schemas.openxmlformats.org/drawingml/2006/main" xmlns:r="http://schemas.openxmlformats.org/officeDocument/2006/relationships" xmlns:p="http://schemas.openxmlformats.org/presentationml/2006/main">
+  <p:cSld>
+    <p:spTree>
+      <p:nvGrpSpPr>
+        <p:cNvPr id="1" name=""/>
+        <p:cNvGrpSpPr/>
+        <p:nvPr/>
+      </p:nvGrpSpPr>
+      <p:grpSpPr>
+        <a:xfrm>
+          <a:off x="0" y="0"/>
+          <a:ext cx="0" cy="0"/>
+          <a:chOff x="0" y="0"/>
+          <a:chExt cx="0" cy="0"/>
+        </a:xfrm>
+      </p:grpSpPr>
+      <p:sp>
+        <p:nvSpPr>
+          <p:cNvPr id="2" name="Title 1">
+            <a:extLst>
+              <a:ext uri="{FF2B5EF4-FFF2-40B4-BE49-F238E27FC236}">
+                <a16:creationId xmlns:a16="http://schemas.microsoft.com/office/drawing/2014/main" id="{9FECE9C7-FBB0-B54D-8E92-C3BC6CA96ED2}"/>
+              </a:ext>
+            </a:extLst>
+          </p:cNvPr>
+          <p:cNvSpPr>
+            <a:spLocks noGrp="1"/>
+          </p:cNvSpPr>
+          <p:nvPr>
+            <p:ph type="title"/>
+          </p:nvPr>
+        </p:nvSpPr>
+        <p:spPr/>
+        <p:txBody>
+          <a:bodyPr/>
+          <a:lstStyle/>
+          <a:p>
+            <a:pPr>
+              <a:lnSpc>
+                <a:spcPct val="100000"/>
+              </a:lnSpc>
+            </a:pPr>
+            <a:r>
+              <a:rPr lang="en-US" dirty="0">
+                <a:solidFill>
+                  <a:srgbClr val="002060"/>
+                </a:solidFill>
+              </a:rPr>
+              <a:t>Summarize talk</a:t>
+            </a:r>
+            <a:endParaRPr lang="en-US" dirty="0">
+              <a:solidFill>
+                <a:srgbClr val="002060"/>
+              </a:solidFill>
+              <a:latin typeface="Arial" panose="020B0604020202020204" pitchFamily="34" charset="0"/>
+            </a:endParaRPr>
+          </a:p>
+        </p:txBody>
+      </p:sp>
+      <p:sp>
+        <p:nvSpPr>
+          <p:cNvPr id="3" name="Content Placeholder 2">
+            <a:extLst>
+              <a:ext uri="{FF2B5EF4-FFF2-40B4-BE49-F238E27FC236}">
+                <a16:creationId xmlns:a16="http://schemas.microsoft.com/office/drawing/2014/main" id="{1A8FA9B3-1B32-894B-93C2-F90FB63CBDAA}"/>
+              </a:ext>
+            </a:extLst>
+          </p:cNvPr>
+          <p:cNvSpPr>
+            <a:spLocks noGrp="1"/>
+          </p:cNvSpPr>
+          <p:nvPr>
+            <p:ph idx="1"/>
+          </p:nvPr>
+        </p:nvSpPr>
+        <p:spPr/>
+        <p:txBody>
+          <a:bodyPr/>
+          <a:lstStyle/>
+          <a:p>
+            <a:pPr>
+              <a:lnSpc>
+                <a:spcPct val="100000"/>
+              </a:lnSpc>
+            </a:pPr>
+            <a:r>
+              <a:rPr lang="en-US" dirty="0">
+                <a:latin typeface="Arial" panose="020B0604020202020204" pitchFamily="34" charset="0"/>
+              </a:rPr>
+              <a:t>Bullet</a:t>
+            </a:r>
+          </a:p>
+        </p:txBody>
+      </p:sp>
+    </p:spTree>
+    <p:extLst>
+      <p:ext uri="{BB962C8B-B14F-4D97-AF65-F5344CB8AC3E}">
+        <p14:creationId xmlns:p14="http://schemas.microsoft.com/office/powerpoint/2010/main" val="1329506691"/>
+      </p:ext>
+    </p:extLst>
+  </p:cSld>
+  <p:clrMapOvr>
+    <a:masterClrMapping/>
+  </p:clrMapOvr>
+</p:sld>
+</file>
+
+<file path=ppt/slides/slide18.xml><?xml version="1.0" encoding="utf-8"?>
+<p:sld xmlns:a="http://schemas.openxmlformats.org/drawingml/2006/main" xmlns:r="http://schemas.openxmlformats.org/officeDocument/2006/relationships" xmlns:p="http://schemas.openxmlformats.org/presentationml/2006/main">
+  <p:cSld>
+    <p:spTree>
+      <p:nvGrpSpPr>
+        <p:cNvPr id="1" name=""/>
+        <p:cNvGrpSpPr/>
+        <p:nvPr/>
+      </p:nvGrpSpPr>
+      <p:grpSpPr>
+        <a:xfrm>
+          <a:off x="0" y="0"/>
+          <a:ext cx="0" cy="0"/>
+          <a:chOff x="0" y="0"/>
+          <a:chExt cx="0" cy="0"/>
+        </a:xfrm>
+      </p:grpSpPr>
+      <p:sp>
+        <p:nvSpPr>
+          <p:cNvPr id="2" name="Title 1">
+            <a:extLst>
+              <a:ext uri="{FF2B5EF4-FFF2-40B4-BE49-F238E27FC236}">
+                <a16:creationId xmlns:a16="http://schemas.microsoft.com/office/drawing/2014/main" id="{9FECE9C7-FBB0-B54D-8E92-C3BC6CA96ED2}"/>
+              </a:ext>
+            </a:extLst>
+          </p:cNvPr>
+          <p:cNvSpPr>
+            <a:spLocks noGrp="1"/>
+          </p:cNvSpPr>
+          <p:nvPr>
+            <p:ph type="title"/>
+          </p:nvPr>
+        </p:nvSpPr>
+        <p:spPr/>
+        <p:txBody>
+          <a:bodyPr/>
+          <a:lstStyle/>
+          <a:p>
+            <a:pPr>
+              <a:lnSpc>
+                <a:spcPct val="100000"/>
+              </a:lnSpc>
+            </a:pPr>
+            <a:r>
+              <a:rPr lang="en-US" dirty="0">
+                <a:solidFill>
+                  <a:srgbClr val="002060"/>
+                </a:solidFill>
+              </a:rPr>
+              <a:t>Outlook</a:t>
+            </a:r>
+            <a:endParaRPr lang="en-US" dirty="0">
+              <a:solidFill>
+                <a:srgbClr val="002060"/>
+              </a:solidFill>
+              <a:latin typeface="Arial" panose="020B0604020202020204" pitchFamily="34" charset="0"/>
+            </a:endParaRPr>
+          </a:p>
+        </p:txBody>
+      </p:sp>
+      <p:sp>
+        <p:nvSpPr>
+          <p:cNvPr id="3" name="Content Placeholder 2">
+            <a:extLst>
+              <a:ext uri="{FF2B5EF4-FFF2-40B4-BE49-F238E27FC236}">
+                <a16:creationId xmlns:a16="http://schemas.microsoft.com/office/drawing/2014/main" id="{1A8FA9B3-1B32-894B-93C2-F90FB63CBDAA}"/>
+              </a:ext>
+            </a:extLst>
+          </p:cNvPr>
+          <p:cNvSpPr>
+            <a:spLocks noGrp="1"/>
+          </p:cNvSpPr>
+          <p:nvPr>
+            <p:ph idx="1"/>
+          </p:nvPr>
+        </p:nvSpPr>
+        <p:spPr/>
+        <p:txBody>
+          <a:bodyPr/>
+          <a:lstStyle/>
+          <a:p>
+            <a:pPr>
+              <a:lnSpc>
+                <a:spcPct val="100000"/>
+              </a:lnSpc>
+            </a:pPr>
+            <a:r>
+              <a:rPr lang="en-US" dirty="0"/>
+              <a:t>How are optical potentials used currently and how can they be improved?</a:t>
+            </a:r>
+          </a:p>
+          <a:p>
+            <a:pPr>
+              <a:lnSpc>
+                <a:spcPct val="100000"/>
+              </a:lnSpc>
+            </a:pPr>
+            <a:r>
+              <a:rPr lang="en-US" dirty="0"/>
+              <a:t>Uncertainty quantification</a:t>
+            </a:r>
+          </a:p>
+          <a:p>
+            <a:pPr>
+              <a:lnSpc>
+                <a:spcPct val="100000"/>
+              </a:lnSpc>
+            </a:pPr>
+            <a:r>
+              <a:rPr lang="en-US" dirty="0"/>
+              <a:t>SRG</a:t>
+            </a:r>
+            <a:endParaRPr lang="en-US" dirty="0">
+              <a:latin typeface="Arial" panose="020B0604020202020204" pitchFamily="34" charset="0"/>
+            </a:endParaRPr>
+          </a:p>
+        </p:txBody>
+      </p:sp>
+    </p:spTree>
+    <p:extLst>
+      <p:ext uri="{BB962C8B-B14F-4D97-AF65-F5344CB8AC3E}">
+        <p14:creationId xmlns:p14="http://schemas.microsoft.com/office/powerpoint/2010/main" val="128367131"/>
+      </p:ext>
+    </p:extLst>
+  </p:cSld>
+  <p:clrMapOvr>
+    <a:masterClrMapping/>
+  </p:clrMapOvr>
+</p:sld>
+</file>
+
+<file path=ppt/slides/slide19.xml><?xml version="1.0" encoding="utf-8"?>
+<p:sld xmlns:a="http://schemas.openxmlformats.org/drawingml/2006/main" xmlns:r="http://schemas.openxmlformats.org/officeDocument/2006/relationships" xmlns:p="http://schemas.openxmlformats.org/presentationml/2006/main">
+  <p:cSld>
+    <p:spTree>
+      <p:nvGrpSpPr>
+        <p:cNvPr id="1" name=""/>
+        <p:cNvGrpSpPr/>
+        <p:nvPr/>
+      </p:nvGrpSpPr>
+      <p:grpSpPr>
+        <a:xfrm>
+          <a:off x="0" y="0"/>
+          <a:ext cx="0" cy="0"/>
+          <a:chOff x="0" y="0"/>
+          <a:chExt cx="0" cy="0"/>
+        </a:xfrm>
+      </p:grpSpPr>
+      <p:sp>
+        <p:nvSpPr>
+          <p:cNvPr id="2" name="Title 1">
+            <a:extLst>
+              <a:ext uri="{FF2B5EF4-FFF2-40B4-BE49-F238E27FC236}">
+                <a16:creationId xmlns:a16="http://schemas.microsoft.com/office/drawing/2014/main" id="{9FECE9C7-FBB0-B54D-8E92-C3BC6CA96ED2}"/>
+              </a:ext>
+            </a:extLst>
+          </p:cNvPr>
+          <p:cNvSpPr>
+            <a:spLocks noGrp="1"/>
+          </p:cNvSpPr>
+          <p:nvPr>
+            <p:ph type="title"/>
+          </p:nvPr>
+        </p:nvSpPr>
+        <p:spPr/>
+        <p:txBody>
+          <a:bodyPr/>
+          <a:lstStyle/>
+          <a:p>
+            <a:pPr>
+              <a:lnSpc>
+                <a:spcPct val="100000"/>
+              </a:lnSpc>
+            </a:pPr>
+            <a:r>
+              <a:rPr lang="en-US" dirty="0">
+                <a:solidFill>
+                  <a:srgbClr val="002060"/>
+                </a:solidFill>
+                <a:latin typeface="Arial" panose="020B0604020202020204" pitchFamily="34" charset="0"/>
+              </a:rPr>
+              <a:t>Slide title</a:t>
+            </a:r>
+          </a:p>
+        </p:txBody>
+      </p:sp>
+      <p:sp>
+        <p:nvSpPr>
+          <p:cNvPr id="3" name="Content Placeholder 2">
+            <a:extLst>
+              <a:ext uri="{FF2B5EF4-FFF2-40B4-BE49-F238E27FC236}">
+                <a16:creationId xmlns:a16="http://schemas.microsoft.com/office/drawing/2014/main" id="{1A8FA9B3-1B32-894B-93C2-F90FB63CBDAA}"/>
+              </a:ext>
+            </a:extLst>
+          </p:cNvPr>
+          <p:cNvSpPr>
+            <a:spLocks noGrp="1"/>
+          </p:cNvSpPr>
+          <p:nvPr>
+            <p:ph idx="1"/>
+          </p:nvPr>
+        </p:nvSpPr>
+        <p:spPr/>
+        <p:txBody>
+          <a:bodyPr/>
+          <a:lstStyle/>
+          <a:p>
+            <a:pPr>
+              <a:lnSpc>
+                <a:spcPct val="100000"/>
+              </a:lnSpc>
+            </a:pPr>
+            <a:r>
+              <a:rPr lang="en-US" dirty="0">
+                <a:latin typeface="Arial" panose="020B0604020202020204" pitchFamily="34" charset="0"/>
+              </a:rPr>
+              <a:t>Bullet</a:t>
+            </a:r>
+          </a:p>
+        </p:txBody>
+      </p:sp>
+    </p:spTree>
+    <p:extLst>
+      <p:ext uri="{BB962C8B-B14F-4D97-AF65-F5344CB8AC3E}">
+        <p14:creationId xmlns:p14="http://schemas.microsoft.com/office/powerpoint/2010/main" val="3894563010"/>
+      </p:ext>
+    </p:extLst>
+  </p:cSld>
+  <p:clrMapOvr>
+    <a:masterClrMapping/>
+  </p:clrMapOvr>
+</p:sld>
+</file>
+
 <file path=ppt/slides/slide2.xml><?xml version="1.0" encoding="utf-8"?>
 <p:sld xmlns:a="http://schemas.openxmlformats.org/drawingml/2006/main" xmlns:r="http://schemas.openxmlformats.org/officeDocument/2006/relationships" xmlns:p="http://schemas.openxmlformats.org/presentationml/2006/main">
   <p:cSld>
@@ -3966,6 +5395,137 @@
                 <a:solidFill>
                   <a:srgbClr val="002060"/>
                 </a:solidFill>
+              </a:rPr>
+              <a:t>Introduction/motivation</a:t>
+            </a:r>
+            <a:endParaRPr lang="en-US" dirty="0">
+              <a:solidFill>
+                <a:srgbClr val="002060"/>
+              </a:solidFill>
+              <a:latin typeface="Arial" panose="020B0604020202020204" pitchFamily="34" charset="0"/>
+            </a:endParaRPr>
+          </a:p>
+        </p:txBody>
+      </p:sp>
+      <p:sp>
+        <p:nvSpPr>
+          <p:cNvPr id="3" name="Content Placeholder 2">
+            <a:extLst>
+              <a:ext uri="{FF2B5EF4-FFF2-40B4-BE49-F238E27FC236}">
+                <a16:creationId xmlns:a16="http://schemas.microsoft.com/office/drawing/2014/main" id="{1A8FA9B3-1B32-894B-93C2-F90FB63CBDAA}"/>
+              </a:ext>
+            </a:extLst>
+          </p:cNvPr>
+          <p:cNvSpPr>
+            <a:spLocks noGrp="1"/>
+          </p:cNvSpPr>
+          <p:nvPr>
+            <p:ph idx="1"/>
+          </p:nvPr>
+        </p:nvSpPr>
+        <p:spPr/>
+        <p:txBody>
+          <a:bodyPr/>
+          <a:lstStyle/>
+          <a:p>
+            <a:pPr>
+              <a:lnSpc>
+                <a:spcPct val="100000"/>
+              </a:lnSpc>
+            </a:pPr>
+            <a:r>
+              <a:rPr lang="en-US" dirty="0"/>
+              <a:t>Nuclear reactions</a:t>
+            </a:r>
+          </a:p>
+          <a:p>
+            <a:pPr>
+              <a:lnSpc>
+                <a:spcPct val="100000"/>
+              </a:lnSpc>
+            </a:pPr>
+            <a:r>
+              <a:rPr lang="en-US" dirty="0"/>
+              <a:t>FRIB</a:t>
+            </a:r>
+          </a:p>
+          <a:p>
+            <a:pPr>
+              <a:lnSpc>
+                <a:spcPct val="100000"/>
+              </a:lnSpc>
+            </a:pPr>
+            <a:r>
+              <a:rPr lang="en-US" dirty="0"/>
+              <a:t>Nuclear chart</a:t>
+            </a:r>
+            <a:endParaRPr lang="en-US" dirty="0">
+              <a:latin typeface="Arial" panose="020B0604020202020204" pitchFamily="34" charset="0"/>
+            </a:endParaRPr>
+          </a:p>
+        </p:txBody>
+      </p:sp>
+    </p:spTree>
+    <p:extLst>
+      <p:ext uri="{BB962C8B-B14F-4D97-AF65-F5344CB8AC3E}">
+        <p14:creationId xmlns:p14="http://schemas.microsoft.com/office/powerpoint/2010/main" val="1802450839"/>
+      </p:ext>
+    </p:extLst>
+  </p:cSld>
+  <p:clrMapOvr>
+    <a:masterClrMapping/>
+  </p:clrMapOvr>
+</p:sld>
+</file>
+
+<file path=ppt/slides/slide20.xml><?xml version="1.0" encoding="utf-8"?>
+<p:sld xmlns:a="http://schemas.openxmlformats.org/drawingml/2006/main" xmlns:r="http://schemas.openxmlformats.org/officeDocument/2006/relationships" xmlns:p="http://schemas.openxmlformats.org/presentationml/2006/main">
+  <p:cSld>
+    <p:spTree>
+      <p:nvGrpSpPr>
+        <p:cNvPr id="1" name=""/>
+        <p:cNvGrpSpPr/>
+        <p:nvPr/>
+      </p:nvGrpSpPr>
+      <p:grpSpPr>
+        <a:xfrm>
+          <a:off x="0" y="0"/>
+          <a:ext cx="0" cy="0"/>
+          <a:chOff x="0" y="0"/>
+          <a:chExt cx="0" cy="0"/>
+        </a:xfrm>
+      </p:grpSpPr>
+      <p:sp>
+        <p:nvSpPr>
+          <p:cNvPr id="2" name="Title 1">
+            <a:extLst>
+              <a:ext uri="{FF2B5EF4-FFF2-40B4-BE49-F238E27FC236}">
+                <a16:creationId xmlns:a16="http://schemas.microsoft.com/office/drawing/2014/main" id="{9FECE9C7-FBB0-B54D-8E92-C3BC6CA96ED2}"/>
+              </a:ext>
+            </a:extLst>
+          </p:cNvPr>
+          <p:cNvSpPr>
+            <a:spLocks noGrp="1"/>
+          </p:cNvSpPr>
+          <p:nvPr>
+            <p:ph type="title"/>
+          </p:nvPr>
+        </p:nvSpPr>
+        <p:spPr/>
+        <p:txBody>
+          <a:bodyPr/>
+          <a:lstStyle/>
+          <a:p>
+            <a:pPr>
+              <a:lnSpc>
+                <a:spcPct val="100000"/>
+              </a:lnSpc>
+            </a:pPr>
+            <a:r>
+              <a:rPr lang="en-US" dirty="0">
+                <a:solidFill>
+                  <a:srgbClr val="002060"/>
+                </a:solidFill>
                 <a:latin typeface="Arial" panose="020B0604020202020204" pitchFamily="34" charset="0"/>
               </a:rPr>
               <a:t>Slide title</a:t>
@@ -4011,7 +5571,213 @@
     </p:spTree>
     <p:extLst>
       <p:ext uri="{BB962C8B-B14F-4D97-AF65-F5344CB8AC3E}">
-        <p14:creationId xmlns:p14="http://schemas.microsoft.com/office/powerpoint/2010/main" val="1802450839"/>
+        <p14:creationId xmlns:p14="http://schemas.microsoft.com/office/powerpoint/2010/main" val="2815595502"/>
+      </p:ext>
+    </p:extLst>
+  </p:cSld>
+  <p:clrMapOvr>
+    <a:masterClrMapping/>
+  </p:clrMapOvr>
+</p:sld>
+</file>
+
+<file path=ppt/slides/slide21.xml><?xml version="1.0" encoding="utf-8"?>
+<p:sld xmlns:a="http://schemas.openxmlformats.org/drawingml/2006/main" xmlns:r="http://schemas.openxmlformats.org/officeDocument/2006/relationships" xmlns:p="http://schemas.openxmlformats.org/presentationml/2006/main">
+  <p:cSld>
+    <p:spTree>
+      <p:nvGrpSpPr>
+        <p:cNvPr id="1" name=""/>
+        <p:cNvGrpSpPr/>
+        <p:nvPr/>
+      </p:nvGrpSpPr>
+      <p:grpSpPr>
+        <a:xfrm>
+          <a:off x="0" y="0"/>
+          <a:ext cx="0" cy="0"/>
+          <a:chOff x="0" y="0"/>
+          <a:chExt cx="0" cy="0"/>
+        </a:xfrm>
+      </p:grpSpPr>
+      <p:sp>
+        <p:nvSpPr>
+          <p:cNvPr id="2" name="Title 1">
+            <a:extLst>
+              <a:ext uri="{FF2B5EF4-FFF2-40B4-BE49-F238E27FC236}">
+                <a16:creationId xmlns:a16="http://schemas.microsoft.com/office/drawing/2014/main" id="{9FECE9C7-FBB0-B54D-8E92-C3BC6CA96ED2}"/>
+              </a:ext>
+            </a:extLst>
+          </p:cNvPr>
+          <p:cNvSpPr>
+            <a:spLocks noGrp="1"/>
+          </p:cNvSpPr>
+          <p:nvPr>
+            <p:ph type="title"/>
+          </p:nvPr>
+        </p:nvSpPr>
+        <p:spPr/>
+        <p:txBody>
+          <a:bodyPr/>
+          <a:lstStyle/>
+          <a:p>
+            <a:pPr>
+              <a:lnSpc>
+                <a:spcPct val="100000"/>
+              </a:lnSpc>
+            </a:pPr>
+            <a:r>
+              <a:rPr lang="en-US" dirty="0">
+                <a:solidFill>
+                  <a:srgbClr val="002060"/>
+                </a:solidFill>
+                <a:latin typeface="Arial" panose="020B0604020202020204" pitchFamily="34" charset="0"/>
+              </a:rPr>
+              <a:t>Slide title</a:t>
+            </a:r>
+          </a:p>
+        </p:txBody>
+      </p:sp>
+      <p:sp>
+        <p:nvSpPr>
+          <p:cNvPr id="3" name="Content Placeholder 2">
+            <a:extLst>
+              <a:ext uri="{FF2B5EF4-FFF2-40B4-BE49-F238E27FC236}">
+                <a16:creationId xmlns:a16="http://schemas.microsoft.com/office/drawing/2014/main" id="{1A8FA9B3-1B32-894B-93C2-F90FB63CBDAA}"/>
+              </a:ext>
+            </a:extLst>
+          </p:cNvPr>
+          <p:cNvSpPr>
+            <a:spLocks noGrp="1"/>
+          </p:cNvSpPr>
+          <p:nvPr>
+            <p:ph idx="1"/>
+          </p:nvPr>
+        </p:nvSpPr>
+        <p:spPr/>
+        <p:txBody>
+          <a:bodyPr/>
+          <a:lstStyle/>
+          <a:p>
+            <a:pPr>
+              <a:lnSpc>
+                <a:spcPct val="100000"/>
+              </a:lnSpc>
+            </a:pPr>
+            <a:r>
+              <a:rPr lang="en-US" dirty="0">
+                <a:latin typeface="Arial" panose="020B0604020202020204" pitchFamily="34" charset="0"/>
+              </a:rPr>
+              <a:t>Bullet</a:t>
+            </a:r>
+          </a:p>
+        </p:txBody>
+      </p:sp>
+    </p:spTree>
+    <p:extLst>
+      <p:ext uri="{BB962C8B-B14F-4D97-AF65-F5344CB8AC3E}">
+        <p14:creationId xmlns:p14="http://schemas.microsoft.com/office/powerpoint/2010/main" val="4207700712"/>
+      </p:ext>
+    </p:extLst>
+  </p:cSld>
+  <p:clrMapOvr>
+    <a:masterClrMapping/>
+  </p:clrMapOvr>
+</p:sld>
+</file>
+
+<file path=ppt/slides/slide22.xml><?xml version="1.0" encoding="utf-8"?>
+<p:sld xmlns:a="http://schemas.openxmlformats.org/drawingml/2006/main" xmlns:r="http://schemas.openxmlformats.org/officeDocument/2006/relationships" xmlns:p="http://schemas.openxmlformats.org/presentationml/2006/main">
+  <p:cSld>
+    <p:spTree>
+      <p:nvGrpSpPr>
+        <p:cNvPr id="1" name=""/>
+        <p:cNvGrpSpPr/>
+        <p:nvPr/>
+      </p:nvGrpSpPr>
+      <p:grpSpPr>
+        <a:xfrm>
+          <a:off x="0" y="0"/>
+          <a:ext cx="0" cy="0"/>
+          <a:chOff x="0" y="0"/>
+          <a:chExt cx="0" cy="0"/>
+        </a:xfrm>
+      </p:grpSpPr>
+      <p:sp>
+        <p:nvSpPr>
+          <p:cNvPr id="2" name="Title 1">
+            <a:extLst>
+              <a:ext uri="{FF2B5EF4-FFF2-40B4-BE49-F238E27FC236}">
+                <a16:creationId xmlns:a16="http://schemas.microsoft.com/office/drawing/2014/main" id="{9FECE9C7-FBB0-B54D-8E92-C3BC6CA96ED2}"/>
+              </a:ext>
+            </a:extLst>
+          </p:cNvPr>
+          <p:cNvSpPr>
+            <a:spLocks noGrp="1"/>
+          </p:cNvSpPr>
+          <p:nvPr>
+            <p:ph type="title"/>
+          </p:nvPr>
+        </p:nvSpPr>
+        <p:spPr/>
+        <p:txBody>
+          <a:bodyPr/>
+          <a:lstStyle/>
+          <a:p>
+            <a:pPr>
+              <a:lnSpc>
+                <a:spcPct val="100000"/>
+              </a:lnSpc>
+            </a:pPr>
+            <a:r>
+              <a:rPr lang="en-US" dirty="0">
+                <a:solidFill>
+                  <a:srgbClr val="002060"/>
+                </a:solidFill>
+                <a:latin typeface="Arial" panose="020B0604020202020204" pitchFamily="34" charset="0"/>
+              </a:rPr>
+              <a:t>Slide title</a:t>
+            </a:r>
+          </a:p>
+        </p:txBody>
+      </p:sp>
+      <p:sp>
+        <p:nvSpPr>
+          <p:cNvPr id="3" name="Content Placeholder 2">
+            <a:extLst>
+              <a:ext uri="{FF2B5EF4-FFF2-40B4-BE49-F238E27FC236}">
+                <a16:creationId xmlns:a16="http://schemas.microsoft.com/office/drawing/2014/main" id="{1A8FA9B3-1B32-894B-93C2-F90FB63CBDAA}"/>
+              </a:ext>
+            </a:extLst>
+          </p:cNvPr>
+          <p:cNvSpPr>
+            <a:spLocks noGrp="1"/>
+          </p:cNvSpPr>
+          <p:nvPr>
+            <p:ph idx="1"/>
+          </p:nvPr>
+        </p:nvSpPr>
+        <p:spPr/>
+        <p:txBody>
+          <a:bodyPr/>
+          <a:lstStyle/>
+          <a:p>
+            <a:pPr>
+              <a:lnSpc>
+                <a:spcPct val="100000"/>
+              </a:lnSpc>
+            </a:pPr>
+            <a:r>
+              <a:rPr lang="en-US" dirty="0">
+                <a:latin typeface="Arial" panose="020B0604020202020204" pitchFamily="34" charset="0"/>
+              </a:rPr>
+              <a:t>Bullet</a:t>
+            </a:r>
+          </a:p>
+        </p:txBody>
+      </p:sp>
+    </p:spTree>
+    <p:extLst>
+      <p:ext uri="{BB962C8B-B14F-4D97-AF65-F5344CB8AC3E}">
+        <p14:creationId xmlns:p14="http://schemas.microsoft.com/office/powerpoint/2010/main" val="1088014394"/>
       </p:ext>
     </p:extLst>
   </p:cSld>
@@ -4069,10 +5835,15 @@
                 <a:solidFill>
                   <a:srgbClr val="002060"/>
                 </a:solidFill>
-                <a:latin typeface="Arial" panose="020B0604020202020204" pitchFamily="34" charset="0"/>
               </a:rPr>
-              <a:t>Slide title</a:t>
-            </a:r>
+              <a:t>Introduction/motivation</a:t>
+            </a:r>
+            <a:endParaRPr lang="en-US" dirty="0">
+              <a:solidFill>
+                <a:srgbClr val="002060"/>
+              </a:solidFill>
+              <a:latin typeface="Arial" panose="020B0604020202020204" pitchFamily="34" charset="0"/>
+            </a:endParaRPr>
           </a:p>
         </p:txBody>
       </p:sp>
@@ -4103,18 +5874,71 @@
               </a:lnSpc>
             </a:pPr>
             <a:r>
-              <a:rPr lang="en-US" dirty="0">
-                <a:latin typeface="Arial" panose="020B0604020202020204" pitchFamily="34" charset="0"/>
-              </a:rPr>
-              <a:t>Bullet</a:t>
-            </a:r>
-          </a:p>
-        </p:txBody>
-      </p:sp>
+              <a:rPr lang="en-US" dirty="0"/>
+              <a:t>Nuclear reactions</a:t>
+            </a:r>
+          </a:p>
+          <a:p>
+            <a:pPr>
+              <a:lnSpc>
+                <a:spcPct val="100000"/>
+              </a:lnSpc>
+            </a:pPr>
+            <a:r>
+              <a:rPr lang="en-US" dirty="0"/>
+              <a:t>FRIB</a:t>
+            </a:r>
+          </a:p>
+          <a:p>
+            <a:pPr>
+              <a:lnSpc>
+                <a:spcPct val="100000"/>
+              </a:lnSpc>
+            </a:pPr>
+            <a:r>
+              <a:rPr lang="en-US" dirty="0"/>
+              <a:t>Nuclear chart</a:t>
+            </a:r>
+            <a:endParaRPr lang="en-US" dirty="0">
+              <a:latin typeface="Arial" panose="020B0604020202020204" pitchFamily="34" charset="0"/>
+            </a:endParaRPr>
+          </a:p>
+        </p:txBody>
+      </p:sp>
+      <p:pic>
+        <p:nvPicPr>
+          <p:cNvPr id="6" name="Picture 5">
+            <a:extLst>
+              <a:ext uri="{FF2B5EF4-FFF2-40B4-BE49-F238E27FC236}">
+                <a16:creationId xmlns:a16="http://schemas.microsoft.com/office/drawing/2014/main" id="{731737A4-4B6E-E14E-ACAF-FE83B5F6DB9F}"/>
+              </a:ext>
+            </a:extLst>
+          </p:cNvPr>
+          <p:cNvPicPr>
+            <a:picLocks noChangeAspect="1"/>
+          </p:cNvPicPr>
+          <p:nvPr/>
+        </p:nvPicPr>
+        <p:blipFill>
+          <a:blip r:embed="rId2"/>
+          <a:stretch>
+            <a:fillRect/>
+          </a:stretch>
+        </p:blipFill>
+        <p:spPr>
+          <a:xfrm>
+            <a:off x="4092767" y="1592263"/>
+            <a:ext cx="7620000" cy="4584700"/>
+          </a:xfrm>
+          <a:prstGeom prst="rect">
+            <a:avLst/>
+          </a:prstGeom>
+        </p:spPr>
+      </p:pic>
     </p:spTree>
     <p:extLst>
       <p:ext uri="{BB962C8B-B14F-4D97-AF65-F5344CB8AC3E}">
-        <p14:creationId xmlns:p14="http://schemas.microsoft.com/office/powerpoint/2010/main" val="2214545713"/>
+        <p14:creationId xmlns:p14="http://schemas.microsoft.com/office/powerpoint/2010/main" val="2747892474"/>
       </p:ext>
     </p:extLst>
   </p:cSld>
@@ -4172,10 +5996,15 @@
                 <a:solidFill>
                   <a:srgbClr val="002060"/>
                 </a:solidFill>
-                <a:latin typeface="Arial" panose="020B0604020202020204" pitchFamily="34" charset="0"/>
               </a:rPr>
-              <a:t>Slide title</a:t>
-            </a:r>
+              <a:t>Nuclear optical potential</a:t>
+            </a:r>
+            <a:endParaRPr lang="en-US" dirty="0">
+              <a:solidFill>
+                <a:srgbClr val="002060"/>
+              </a:solidFill>
+              <a:latin typeface="Arial" panose="020B0604020202020204" pitchFamily="34" charset="0"/>
+            </a:endParaRPr>
           </a:p>
         </p:txBody>
       </p:sp>
@@ -4206,18 +6035,71 @@
               </a:lnSpc>
             </a:pPr>
             <a:r>
-              <a:rPr lang="en-US" dirty="0">
-                <a:latin typeface="Arial" panose="020B0604020202020204" pitchFamily="34" charset="0"/>
-              </a:rPr>
-              <a:t>Bullet</a:t>
-            </a:r>
-          </a:p>
-        </p:txBody>
-      </p:sp>
+              <a:rPr lang="en-US" dirty="0"/>
+              <a:t>Complex potentials</a:t>
+            </a:r>
+          </a:p>
+          <a:p>
+            <a:pPr>
+              <a:lnSpc>
+                <a:spcPct val="100000"/>
+              </a:lnSpc>
+            </a:pPr>
+            <a:r>
+              <a:rPr lang="en-US" dirty="0"/>
+              <a:t>Consequences of this</a:t>
+            </a:r>
+          </a:p>
+          <a:p>
+            <a:pPr>
+              <a:lnSpc>
+                <a:spcPct val="100000"/>
+              </a:lnSpc>
+            </a:pPr>
+            <a:r>
+              <a:rPr lang="en-US" dirty="0"/>
+              <a:t>Analogy to optics</a:t>
+            </a:r>
+            <a:endParaRPr lang="en-US" dirty="0">
+              <a:latin typeface="Arial" panose="020B0604020202020204" pitchFamily="34" charset="0"/>
+            </a:endParaRPr>
+          </a:p>
+        </p:txBody>
+      </p:sp>
+      <p:pic>
+        <p:nvPicPr>
+          <p:cNvPr id="4" name="Picture 3">
+            <a:extLst>
+              <a:ext uri="{FF2B5EF4-FFF2-40B4-BE49-F238E27FC236}">
+                <a16:creationId xmlns:a16="http://schemas.microsoft.com/office/drawing/2014/main" id="{01D6D897-D35B-774D-8F4C-3892D819F8FB}"/>
+              </a:ext>
+            </a:extLst>
+          </p:cNvPr>
+          <p:cNvPicPr>
+            <a:picLocks noChangeAspect="1"/>
+          </p:cNvPicPr>
+          <p:nvPr/>
+        </p:nvPicPr>
+        <p:blipFill>
+          <a:blip r:embed="rId2"/>
+          <a:stretch>
+            <a:fillRect/>
+          </a:stretch>
+        </p:blipFill>
+        <p:spPr>
+          <a:xfrm>
+            <a:off x="0" y="0"/>
+            <a:ext cx="12192000" cy="6858000"/>
+          </a:xfrm>
+          <a:prstGeom prst="rect">
+            <a:avLst/>
+          </a:prstGeom>
+        </p:spPr>
+      </p:pic>
     </p:spTree>
     <p:extLst>
       <p:ext uri="{BB962C8B-B14F-4D97-AF65-F5344CB8AC3E}">
-        <p14:creationId xmlns:p14="http://schemas.microsoft.com/office/powerpoint/2010/main" val="2896320048"/>
+        <p14:creationId xmlns:p14="http://schemas.microsoft.com/office/powerpoint/2010/main" val="2214545713"/>
       </p:ext>
     </p:extLst>
   </p:cSld>
@@ -4275,10 +6157,15 @@
                 <a:solidFill>
                   <a:srgbClr val="002060"/>
                 </a:solidFill>
-                <a:latin typeface="Arial" panose="020B0604020202020204" pitchFamily="34" charset="0"/>
               </a:rPr>
-              <a:t>Slide title</a:t>
-            </a:r>
+              <a:t>Quantum many-body scattering problem</a:t>
+            </a:r>
+            <a:endParaRPr lang="en-US" dirty="0">
+              <a:solidFill>
+                <a:srgbClr val="002060"/>
+              </a:solidFill>
+              <a:latin typeface="Arial" panose="020B0604020202020204" pitchFamily="34" charset="0"/>
+            </a:endParaRPr>
           </a:p>
         </p:txBody>
       </p:sp>
@@ -4309,18 +6196,41 @@
               </a:lnSpc>
             </a:pPr>
             <a:r>
-              <a:rPr lang="en-US" dirty="0">
-                <a:latin typeface="Arial" panose="020B0604020202020204" pitchFamily="34" charset="0"/>
-              </a:rPr>
-              <a:t>Bullet</a:t>
-            </a:r>
+              <a:rPr lang="en-US" dirty="0"/>
+              <a:t>Projectile-nucleus scattering with picture?</a:t>
+            </a:r>
+          </a:p>
+          <a:p>
+            <a:pPr>
+              <a:lnSpc>
+                <a:spcPct val="100000"/>
+              </a:lnSpc>
+            </a:pPr>
+            <a:r>
+              <a:rPr lang="en-US" dirty="0"/>
+              <a:t>Difficulties</a:t>
+            </a:r>
+          </a:p>
+          <a:p>
+            <a:pPr>
+              <a:lnSpc>
+                <a:spcPct val="100000"/>
+              </a:lnSpc>
+            </a:pPr>
+            <a:r>
+              <a:rPr lang="en-US" dirty="0"/>
+              <a:t>How optical potentials help</a:t>
+            </a:r>
+            <a:endParaRPr lang="en-US" dirty="0">
+              <a:latin typeface="Arial" panose="020B0604020202020204" pitchFamily="34" charset="0"/>
+            </a:endParaRPr>
           </a:p>
         </p:txBody>
       </p:sp>
     </p:spTree>
     <p:extLst>
       <p:ext uri="{BB962C8B-B14F-4D97-AF65-F5344CB8AC3E}">
-        <p14:creationId xmlns:p14="http://schemas.microsoft.com/office/powerpoint/2010/main" val="268486065"/>
+        <p14:creationId xmlns:p14="http://schemas.microsoft.com/office/powerpoint/2010/main" val="2896320048"/>
       </p:ext>
     </p:extLst>
   </p:cSld>
@@ -4378,10 +6288,15 @@
                 <a:solidFill>
                   <a:srgbClr val="002060"/>
                 </a:solidFill>
-                <a:latin typeface="Arial" panose="020B0604020202020204" pitchFamily="34" charset="0"/>
               </a:rPr>
-              <a:t>Slide title</a:t>
-            </a:r>
+              <a:t>Formalism</a:t>
+            </a:r>
+            <a:endParaRPr lang="en-US" dirty="0">
+              <a:solidFill>
+                <a:srgbClr val="002060"/>
+              </a:solidFill>
+              <a:latin typeface="Arial" panose="020B0604020202020204" pitchFamily="34" charset="0"/>
+            </a:endParaRPr>
           </a:p>
         </p:txBody>
       </p:sp>
@@ -4412,18 +6327,19 @@
               </a:lnSpc>
             </a:pPr>
             <a:r>
-              <a:rPr lang="en-US" dirty="0">
-                <a:latin typeface="Arial" panose="020B0604020202020204" pitchFamily="34" charset="0"/>
-              </a:rPr>
-              <a:t>Bullet</a:t>
-            </a:r>
+              <a:rPr lang="en-US" dirty="0"/>
+              <a:t>Brief Feshbach formalism (only major equations)</a:t>
+            </a:r>
+            <a:endParaRPr lang="en-US" dirty="0">
+              <a:latin typeface="Arial" panose="020B0604020202020204" pitchFamily="34" charset="0"/>
+            </a:endParaRPr>
           </a:p>
         </p:txBody>
       </p:sp>
     </p:spTree>
     <p:extLst>
       <p:ext uri="{BB962C8B-B14F-4D97-AF65-F5344CB8AC3E}">
-        <p14:creationId xmlns:p14="http://schemas.microsoft.com/office/powerpoint/2010/main" val="2569189177"/>
+        <p14:creationId xmlns:p14="http://schemas.microsoft.com/office/powerpoint/2010/main" val="268486065"/>
       </p:ext>
     </p:extLst>
   </p:cSld>
@@ -4481,10 +6397,15 @@
                 <a:solidFill>
                   <a:srgbClr val="002060"/>
                 </a:solidFill>
-                <a:latin typeface="Arial" panose="020B0604020202020204" pitchFamily="34" charset="0"/>
               </a:rPr>
-              <a:t>Slide title</a:t>
-            </a:r>
+              <a:t>Phenomenology</a:t>
+            </a:r>
+            <a:endParaRPr lang="en-US" dirty="0">
+              <a:solidFill>
+                <a:srgbClr val="002060"/>
+              </a:solidFill>
+              <a:latin typeface="Arial" panose="020B0604020202020204" pitchFamily="34" charset="0"/>
+            </a:endParaRPr>
           </a:p>
         </p:txBody>
       </p:sp>
@@ -4508,6 +6429,342 @@
         <p:txBody>
           <a:bodyPr/>
           <a:lstStyle/>
+          <a:p>
+            <a:pPr>
+              <a:lnSpc>
+                <a:spcPct val="100000"/>
+              </a:lnSpc>
+            </a:pPr>
+            <a:r>
+              <a:rPr lang="en-US" dirty="0"/>
+              <a:t>Basic form of a phenomenological optical potential</a:t>
+            </a:r>
+          </a:p>
+          <a:p>
+            <a:pPr>
+              <a:lnSpc>
+                <a:spcPct val="100000"/>
+              </a:lnSpc>
+            </a:pPr>
+            <a:r>
+              <a:rPr lang="en-US" dirty="0"/>
+              <a:t>Explain the terms, physical meaning, graph of functional forms</a:t>
+            </a:r>
+          </a:p>
+          <a:p>
+            <a:pPr>
+              <a:lnSpc>
+                <a:spcPct val="100000"/>
+              </a:lnSpc>
+            </a:pPr>
+            <a:r>
+              <a:rPr lang="en-US" dirty="0"/>
+              <a:t>Fitting procedure</a:t>
+            </a:r>
+          </a:p>
+          <a:p>
+            <a:pPr>
+              <a:lnSpc>
+                <a:spcPct val="100000"/>
+              </a:lnSpc>
+            </a:pPr>
+            <a:r>
+              <a:rPr lang="en-US" dirty="0"/>
+              <a:t>Advantages and disadvantages (see paper)</a:t>
+            </a:r>
+            <a:endParaRPr lang="en-US" dirty="0">
+              <a:latin typeface="Arial" panose="020B0604020202020204" pitchFamily="34" charset="0"/>
+            </a:endParaRPr>
+          </a:p>
+        </p:txBody>
+      </p:sp>
+    </p:spTree>
+    <p:extLst>
+      <p:ext uri="{BB962C8B-B14F-4D97-AF65-F5344CB8AC3E}">
+        <p14:creationId xmlns:p14="http://schemas.microsoft.com/office/powerpoint/2010/main" val="2569189177"/>
+      </p:ext>
+    </p:extLst>
+  </p:cSld>
+  <p:clrMapOvr>
+    <a:masterClrMapping/>
+  </p:clrMapOvr>
+</p:sld>
+</file>
+
+<file path=ppt/slides/slide8.xml><?xml version="1.0" encoding="utf-8"?>
+<p:sld xmlns:a="http://schemas.openxmlformats.org/drawingml/2006/main" xmlns:r="http://schemas.openxmlformats.org/officeDocument/2006/relationships" xmlns:p="http://schemas.openxmlformats.org/presentationml/2006/main">
+  <p:cSld>
+    <p:spTree>
+      <p:nvGrpSpPr>
+        <p:cNvPr id="1" name=""/>
+        <p:cNvGrpSpPr/>
+        <p:nvPr/>
+      </p:nvGrpSpPr>
+      <p:grpSpPr>
+        <a:xfrm>
+          <a:off x="0" y="0"/>
+          <a:ext cx="0" cy="0"/>
+          <a:chOff x="0" y="0"/>
+          <a:chExt cx="0" cy="0"/>
+        </a:xfrm>
+      </p:grpSpPr>
+      <p:sp>
+        <p:nvSpPr>
+          <p:cNvPr id="2" name="Title 1">
+            <a:extLst>
+              <a:ext uri="{FF2B5EF4-FFF2-40B4-BE49-F238E27FC236}">
+                <a16:creationId xmlns:a16="http://schemas.microsoft.com/office/drawing/2014/main" id="{9FECE9C7-FBB0-B54D-8E92-C3BC6CA96ED2}"/>
+              </a:ext>
+            </a:extLst>
+          </p:cNvPr>
+          <p:cNvSpPr>
+            <a:spLocks noGrp="1"/>
+          </p:cNvSpPr>
+          <p:nvPr>
+            <p:ph type="title"/>
+          </p:nvPr>
+        </p:nvSpPr>
+        <p:spPr/>
+        <p:txBody>
+          <a:bodyPr/>
+          <a:lstStyle/>
+          <a:p>
+            <a:pPr>
+              <a:lnSpc>
+                <a:spcPct val="100000"/>
+              </a:lnSpc>
+            </a:pPr>
+            <a:r>
+              <a:rPr lang="en-US" dirty="0">
+                <a:solidFill>
+                  <a:srgbClr val="002060"/>
+                </a:solidFill>
+              </a:rPr>
+              <a:t>Phenomenology</a:t>
+            </a:r>
+            <a:endParaRPr lang="en-US" dirty="0">
+              <a:solidFill>
+                <a:srgbClr val="002060"/>
+              </a:solidFill>
+              <a:latin typeface="Arial" panose="020B0604020202020204" pitchFamily="34" charset="0"/>
+            </a:endParaRPr>
+          </a:p>
+        </p:txBody>
+      </p:sp>
+      <p:sp>
+        <p:nvSpPr>
+          <p:cNvPr id="3" name="Content Placeholder 2">
+            <a:extLst>
+              <a:ext uri="{FF2B5EF4-FFF2-40B4-BE49-F238E27FC236}">
+                <a16:creationId xmlns:a16="http://schemas.microsoft.com/office/drawing/2014/main" id="{1A8FA9B3-1B32-894B-93C2-F90FB63CBDAA}"/>
+              </a:ext>
+            </a:extLst>
+          </p:cNvPr>
+          <p:cNvSpPr>
+            <a:spLocks noGrp="1"/>
+          </p:cNvSpPr>
+          <p:nvPr>
+            <p:ph idx="1"/>
+          </p:nvPr>
+        </p:nvSpPr>
+        <p:spPr/>
+        <p:txBody>
+          <a:bodyPr/>
+          <a:lstStyle/>
+          <a:p>
+            <a:pPr>
+              <a:lnSpc>
+                <a:spcPct val="100000"/>
+              </a:lnSpc>
+            </a:pPr>
+            <a:r>
+              <a:rPr lang="en-US" dirty="0"/>
+              <a:t>Basic form of a phenomenological optical potential</a:t>
+            </a:r>
+          </a:p>
+          <a:p>
+            <a:pPr>
+              <a:lnSpc>
+                <a:spcPct val="100000"/>
+              </a:lnSpc>
+            </a:pPr>
+            <a:r>
+              <a:rPr lang="en-US" dirty="0"/>
+              <a:t>Explain the terms, physical meaning, graph of functional forms</a:t>
+            </a:r>
+          </a:p>
+          <a:p>
+            <a:pPr>
+              <a:lnSpc>
+                <a:spcPct val="100000"/>
+              </a:lnSpc>
+            </a:pPr>
+            <a:r>
+              <a:rPr lang="en-US" dirty="0"/>
+              <a:t>Fitting procedure</a:t>
+            </a:r>
+          </a:p>
+          <a:p>
+            <a:pPr>
+              <a:lnSpc>
+                <a:spcPct val="100000"/>
+              </a:lnSpc>
+            </a:pPr>
+            <a:r>
+              <a:rPr lang="en-US" dirty="0"/>
+              <a:t>Advantages and disadvantages (see paper)</a:t>
+            </a:r>
+            <a:endParaRPr lang="en-US" dirty="0">
+              <a:latin typeface="Arial" panose="020B0604020202020204" pitchFamily="34" charset="0"/>
+            </a:endParaRPr>
+          </a:p>
+        </p:txBody>
+      </p:sp>
+      <p:pic>
+        <p:nvPicPr>
+          <p:cNvPr id="7" name="Picture 6">
+            <a:extLst>
+              <a:ext uri="{FF2B5EF4-FFF2-40B4-BE49-F238E27FC236}">
+                <a16:creationId xmlns:a16="http://schemas.microsoft.com/office/drawing/2014/main" id="{5985F39F-AF80-A445-9981-7B27C2A8F614}"/>
+              </a:ext>
+            </a:extLst>
+          </p:cNvPr>
+          <p:cNvPicPr>
+            <a:picLocks noChangeAspect="1"/>
+          </p:cNvPicPr>
+          <p:nvPr/>
+        </p:nvPicPr>
+        <p:blipFill>
+          <a:blip r:embed="rId2"/>
+          <a:stretch>
+            <a:fillRect/>
+          </a:stretch>
+        </p:blipFill>
+        <p:spPr>
+          <a:xfrm>
+            <a:off x="8088312" y="3124200"/>
+            <a:ext cx="3530600" cy="2895600"/>
+          </a:xfrm>
+          <a:prstGeom prst="rect">
+            <a:avLst/>
+          </a:prstGeom>
+        </p:spPr>
+      </p:pic>
+    </p:spTree>
+    <p:extLst>
+      <p:ext uri="{BB962C8B-B14F-4D97-AF65-F5344CB8AC3E}">
+        <p14:creationId xmlns:p14="http://schemas.microsoft.com/office/powerpoint/2010/main" val="2895982961"/>
+      </p:ext>
+    </p:extLst>
+  </p:cSld>
+  <p:clrMapOvr>
+    <a:masterClrMapping/>
+  </p:clrMapOvr>
+</p:sld>
+</file>
+
+<file path=ppt/slides/slide9.xml><?xml version="1.0" encoding="utf-8"?>
+<p:sld xmlns:a="http://schemas.openxmlformats.org/drawingml/2006/main" xmlns:r="http://schemas.openxmlformats.org/officeDocument/2006/relationships" xmlns:p="http://schemas.openxmlformats.org/presentationml/2006/main">
+  <p:cSld>
+    <p:spTree>
+      <p:nvGrpSpPr>
+        <p:cNvPr id="1" name=""/>
+        <p:cNvGrpSpPr/>
+        <p:nvPr/>
+      </p:nvGrpSpPr>
+      <p:grpSpPr>
+        <a:xfrm>
+          <a:off x="0" y="0"/>
+          <a:ext cx="0" cy="0"/>
+          <a:chOff x="0" y="0"/>
+          <a:chExt cx="0" cy="0"/>
+        </a:xfrm>
+      </p:grpSpPr>
+      <p:sp>
+        <p:nvSpPr>
+          <p:cNvPr id="2" name="Title 1">
+            <a:extLst>
+              <a:ext uri="{FF2B5EF4-FFF2-40B4-BE49-F238E27FC236}">
+                <a16:creationId xmlns:a16="http://schemas.microsoft.com/office/drawing/2014/main" id="{9FECE9C7-FBB0-B54D-8E92-C3BC6CA96ED2}"/>
+              </a:ext>
+            </a:extLst>
+          </p:cNvPr>
+          <p:cNvSpPr>
+            <a:spLocks noGrp="1"/>
+          </p:cNvSpPr>
+          <p:nvPr>
+            <p:ph type="title"/>
+          </p:nvPr>
+        </p:nvSpPr>
+        <p:spPr/>
+        <p:txBody>
+          <a:bodyPr/>
+          <a:lstStyle/>
+          <a:p>
+            <a:pPr>
+              <a:lnSpc>
+                <a:spcPct val="100000"/>
+              </a:lnSpc>
+            </a:pPr>
+            <a:r>
+              <a:rPr lang="en-US" dirty="0">
+                <a:solidFill>
+                  <a:srgbClr val="002060"/>
+                </a:solidFill>
+              </a:rPr>
+              <a:t>Motivate microscopic approaches</a:t>
+            </a:r>
+            <a:endParaRPr lang="en-US" dirty="0">
+              <a:solidFill>
+                <a:srgbClr val="002060"/>
+              </a:solidFill>
+              <a:latin typeface="Arial" panose="020B0604020202020204" pitchFamily="34" charset="0"/>
+            </a:endParaRPr>
+          </a:p>
+        </p:txBody>
+      </p:sp>
+      <p:sp>
+        <p:nvSpPr>
+          <p:cNvPr id="3" name="Content Placeholder 2">
+            <a:extLst>
+              <a:ext uri="{FF2B5EF4-FFF2-40B4-BE49-F238E27FC236}">
+                <a16:creationId xmlns:a16="http://schemas.microsoft.com/office/drawing/2014/main" id="{1A8FA9B3-1B32-894B-93C2-F90FB63CBDAA}"/>
+              </a:ext>
+            </a:extLst>
+          </p:cNvPr>
+          <p:cNvSpPr>
+            <a:spLocks noGrp="1"/>
+          </p:cNvSpPr>
+          <p:nvPr>
+            <p:ph idx="1"/>
+          </p:nvPr>
+        </p:nvSpPr>
+        <p:spPr/>
+        <p:txBody>
+          <a:bodyPr/>
+          <a:lstStyle/>
+          <a:p>
+            <a:pPr>
+              <a:lnSpc>
+                <a:spcPct val="100000"/>
+              </a:lnSpc>
+            </a:pPr>
+            <a:r>
+              <a:rPr lang="en-US" dirty="0"/>
+              <a:t>Transition from shortcomings of phenomenological models</a:t>
+            </a:r>
+          </a:p>
+          <a:p>
+            <a:pPr>
+              <a:lnSpc>
+                <a:spcPct val="100000"/>
+              </a:lnSpc>
+            </a:pPr>
+            <a:r>
+              <a:rPr lang="en-US" dirty="0"/>
+              <a:t>Discuss recent progress</a:t>
+            </a:r>
+          </a:p>
           <a:p>
             <a:pPr>
               <a:lnSpc>
@@ -4518,7 +6775,7 @@
               <a:rPr lang="en-US" dirty="0">
                 <a:latin typeface="Arial" panose="020B0604020202020204" pitchFamily="34" charset="0"/>
               </a:rPr>
-              <a:t>Bullet</a:t>
+              <a:t>Figures: nuclear hockey stick, progress on nuclear chart</a:t>
             </a:r>
           </a:p>
         </p:txBody>

--- a/Presentations/Candidacy_2019/candidacy_presentation.pptx
+++ b/Presentations/Candidacy_2019/candidacy_presentation.pptx
@@ -223,7 +223,7 @@
             <a:fld id="{0A84EC41-ECD6-7F4B-B508-87B276563826}" type="datetimeFigureOut">
               <a:rPr lang="en-US" smtClean="0"/>
               <a:pPr/>
-              <a:t>7/30/19</a:t>
+              <a:t>7/31/19</a:t>
             </a:fld>
             <a:endParaRPr lang="en-US" dirty="0"/>
           </a:p>
@@ -731,7 +731,7 @@
           <a:p>
             <a:fld id="{C752B45F-82BA-0A49-9FDC-DD5F6CBA947D}" type="datetimeFigureOut">
               <a:rPr lang="en-US" smtClean="0"/>
-              <a:t>7/30/19</a:t>
+              <a:t>7/31/19</a:t>
             </a:fld>
             <a:endParaRPr lang="en-US"/>
           </a:p>
@@ -929,7 +929,7 @@
           <a:p>
             <a:fld id="{C752B45F-82BA-0A49-9FDC-DD5F6CBA947D}" type="datetimeFigureOut">
               <a:rPr lang="en-US" smtClean="0"/>
-              <a:t>7/30/19</a:t>
+              <a:t>7/31/19</a:t>
             </a:fld>
             <a:endParaRPr lang="en-US"/>
           </a:p>
@@ -1137,7 +1137,7 @@
           <a:p>
             <a:fld id="{C752B45F-82BA-0A49-9FDC-DD5F6CBA947D}" type="datetimeFigureOut">
               <a:rPr lang="en-US" smtClean="0"/>
-              <a:t>7/30/19</a:t>
+              <a:t>7/31/19</a:t>
             </a:fld>
             <a:endParaRPr lang="en-US"/>
           </a:p>
@@ -1335,7 +1335,7 @@
           <a:p>
             <a:fld id="{C752B45F-82BA-0A49-9FDC-DD5F6CBA947D}" type="datetimeFigureOut">
               <a:rPr lang="en-US" smtClean="0"/>
-              <a:t>7/30/19</a:t>
+              <a:t>7/31/19</a:t>
             </a:fld>
             <a:endParaRPr lang="en-US"/>
           </a:p>
@@ -1610,7 +1610,7 @@
           <a:p>
             <a:fld id="{C752B45F-82BA-0A49-9FDC-DD5F6CBA947D}" type="datetimeFigureOut">
               <a:rPr lang="en-US" smtClean="0"/>
-              <a:t>7/30/19</a:t>
+              <a:t>7/31/19</a:t>
             </a:fld>
             <a:endParaRPr lang="en-US"/>
           </a:p>
@@ -1875,7 +1875,7 @@
           <a:p>
             <a:fld id="{C752B45F-82BA-0A49-9FDC-DD5F6CBA947D}" type="datetimeFigureOut">
               <a:rPr lang="en-US" smtClean="0"/>
-              <a:t>7/30/19</a:t>
+              <a:t>7/31/19</a:t>
             </a:fld>
             <a:endParaRPr lang="en-US"/>
           </a:p>
@@ -2287,7 +2287,7 @@
           <a:p>
             <a:fld id="{C752B45F-82BA-0A49-9FDC-DD5F6CBA947D}" type="datetimeFigureOut">
               <a:rPr lang="en-US" smtClean="0"/>
-              <a:t>7/30/19</a:t>
+              <a:t>7/31/19</a:t>
             </a:fld>
             <a:endParaRPr lang="en-US"/>
           </a:p>
@@ -2428,7 +2428,7 @@
           <a:p>
             <a:fld id="{C752B45F-82BA-0A49-9FDC-DD5F6CBA947D}" type="datetimeFigureOut">
               <a:rPr lang="en-US" smtClean="0"/>
-              <a:t>7/30/19</a:t>
+              <a:t>7/31/19</a:t>
             </a:fld>
             <a:endParaRPr lang="en-US"/>
           </a:p>
@@ -2541,7 +2541,7 @@
           <a:p>
             <a:fld id="{C752B45F-82BA-0A49-9FDC-DD5F6CBA947D}" type="datetimeFigureOut">
               <a:rPr lang="en-US" smtClean="0"/>
-              <a:t>7/30/19</a:t>
+              <a:t>7/31/19</a:t>
             </a:fld>
             <a:endParaRPr lang="en-US"/>
           </a:p>
@@ -2852,7 +2852,7 @@
           <a:p>
             <a:fld id="{C752B45F-82BA-0A49-9FDC-DD5F6CBA947D}" type="datetimeFigureOut">
               <a:rPr lang="en-US" smtClean="0"/>
-              <a:t>7/30/19</a:t>
+              <a:t>7/31/19</a:t>
             </a:fld>
             <a:endParaRPr lang="en-US"/>
           </a:p>
@@ -3143,7 +3143,7 @@
           <a:p>
             <a:fld id="{C752B45F-82BA-0A49-9FDC-DD5F6CBA947D}" type="datetimeFigureOut">
               <a:rPr lang="en-US" smtClean="0"/>
-              <a:t>7/30/19</a:t>
+              <a:t>7/31/19</a:t>
             </a:fld>
             <a:endParaRPr lang="en-US"/>
           </a:p>
@@ -3388,7 +3388,7 @@
             <a:fld id="{C752B45F-82BA-0A49-9FDC-DD5F6CBA947D}" type="datetimeFigureOut">
               <a:rPr lang="en-US" smtClean="0"/>
               <a:pPr/>
-              <a:t>7/30/19</a:t>
+              <a:t>7/31/19</a:t>
             </a:fld>
             <a:endParaRPr lang="en-US" dirty="0"/>
           </a:p>
@@ -5446,7 +5446,7 @@
             </a:pPr>
             <a:r>
               <a:rPr lang="en-US" dirty="0"/>
-              <a:t>FRIB</a:t>
+              <a:t>FRIB (brief description – bait questions)</a:t>
             </a:r>
           </a:p>
           <a:p>
@@ -6036,18 +6036,19 @@
             </a:pPr>
             <a:r>
               <a:rPr lang="en-US" dirty="0"/>
-              <a:t>Complex potentials</a:t>
-            </a:r>
-          </a:p>
-          <a:p>
-            <a:pPr>
-              <a:lnSpc>
-                <a:spcPct val="100000"/>
-              </a:lnSpc>
-            </a:pPr>
+              <a:t>Complex potentials (potentials with real &amp; imaginary parts are called </a:t>
+            </a:r>
+            <a:r>
+              <a:rPr lang="en-US" dirty="0">
+                <a:solidFill>
+                  <a:srgbClr val="C00000"/>
+                </a:solidFill>
+              </a:rPr>
+              <a:t>optical potentials</a:t>
+            </a:r>
             <a:r>
               <a:rPr lang="en-US" dirty="0"/>
-              <a:t>Consequences of this</a:t>
+              <a:t>)</a:t>
             </a:r>
           </a:p>
           <a:p>
@@ -6058,7 +6059,18 @@
             </a:pPr>
             <a:r>
               <a:rPr lang="en-US" dirty="0"/>
-              <a:t>Analogy to optics</a:t>
+              <a:t>Consequences of this: non-Hermitian, non-unitary S-matrix, if W&lt;0, have absorptive potential=loss of flux</a:t>
+            </a:r>
+          </a:p>
+          <a:p>
+            <a:pPr>
+              <a:lnSpc>
+                <a:spcPct val="100000"/>
+              </a:lnSpc>
+            </a:pPr>
+            <a:r>
+              <a:rPr lang="en-US" dirty="0"/>
+              <a:t>Analogy to optics (be careful about wording – keep it simple)</a:t>
             </a:r>
             <a:endParaRPr lang="en-US" dirty="0">
               <a:latin typeface="Arial" panose="020B0604020202020204" pitchFamily="34" charset="0"/>
@@ -6066,36 +6078,6 @@
           </a:p>
         </p:txBody>
       </p:sp>
-      <p:pic>
-        <p:nvPicPr>
-          <p:cNvPr id="4" name="Picture 3">
-            <a:extLst>
-              <a:ext uri="{FF2B5EF4-FFF2-40B4-BE49-F238E27FC236}">
-                <a16:creationId xmlns:a16="http://schemas.microsoft.com/office/drawing/2014/main" id="{01D6D897-D35B-774D-8F4C-3892D819F8FB}"/>
-              </a:ext>
-            </a:extLst>
-          </p:cNvPr>
-          <p:cNvPicPr>
-            <a:picLocks noChangeAspect="1"/>
-          </p:cNvPicPr>
-          <p:nvPr/>
-        </p:nvPicPr>
-        <p:blipFill>
-          <a:blip r:embed="rId2"/>
-          <a:stretch>
-            <a:fillRect/>
-          </a:stretch>
-        </p:blipFill>
-        <p:spPr>
-          <a:xfrm>
-            <a:off x="0" y="0"/>
-            <a:ext cx="12192000" cy="6858000"/>
-          </a:xfrm>
-          <a:prstGeom prst="rect">
-            <a:avLst/>
-          </a:prstGeom>
-        </p:spPr>
-      </p:pic>
     </p:spTree>
     <p:extLst>
       <p:ext uri="{BB962C8B-B14F-4D97-AF65-F5344CB8AC3E}">
@@ -6219,7 +6201,7 @@
             </a:pPr>
             <a:r>
               <a:rPr lang="en-US" dirty="0"/>
-              <a:t>How optical potentials help</a:t>
+              <a:t>How optical potentials help (introduces an effective projectile-nucleus interaction to account for absorption of incident particles – inelastic scattering)</a:t>
             </a:r>
             <a:endParaRPr lang="en-US" dirty="0">
               <a:latin typeface="Arial" panose="020B0604020202020204" pitchFamily="34" charset="0"/>

--- a/Presentations/Candidacy_2019/candidacy_presentation.pptx
+++ b/Presentations/Candidacy_2019/candidacy_presentation.pptx
@@ -5,7 +5,7 @@
     <p:sldMasterId id="2147483648" r:id="rId1"/>
   </p:sldMasterIdLst>
   <p:notesMasterIdLst>
-    <p:notesMasterId r:id="rId49"/>
+    <p:notesMasterId r:id="rId50"/>
   </p:notesMasterIdLst>
   <p:sldIdLst>
     <p:sldId id="257" r:id="rId2"/>
@@ -55,6 +55,7 @@
     <p:sldId id="336" r:id="rId46"/>
     <p:sldId id="327" r:id="rId47"/>
     <p:sldId id="328" r:id="rId48"/>
+    <p:sldId id="338" r:id="rId49"/>
   </p:sldIdLst>
   <p:sldSz cx="12192000" cy="6858000"/>
   <p:notesSz cx="6858000" cy="9144000"/>
@@ -248,7 +249,7 @@
             <a:fld id="{0A84EC41-ECD6-7F4B-B508-87B276563826}" type="datetimeFigureOut">
               <a:rPr lang="en-US" smtClean="0"/>
               <a:pPr/>
-              <a:t>8/4/19</a:t>
+              <a:t>8/5/19</a:t>
             </a:fld>
             <a:endParaRPr lang="en-US" dirty="0"/>
           </a:p>
@@ -756,7 +757,7 @@
           <a:p>
             <a:fld id="{EA8A4960-1D74-124A-A1A9-AC5D4B293218}" type="datetime1">
               <a:rPr lang="en-US" smtClean="0"/>
-              <a:t>8/4/19</a:t>
+              <a:t>8/5/19</a:t>
             </a:fld>
             <a:endParaRPr lang="en-US"/>
           </a:p>
@@ -954,7 +955,7 @@
           <a:p>
             <a:fld id="{98E5CB18-6992-674E-9289-28E496399D4E}" type="datetime1">
               <a:rPr lang="en-US" smtClean="0"/>
-              <a:t>8/4/19</a:t>
+              <a:t>8/5/19</a:t>
             </a:fld>
             <a:endParaRPr lang="en-US"/>
           </a:p>
@@ -1162,7 +1163,7 @@
           <a:p>
             <a:fld id="{CBD5F807-9509-BB43-A5CF-5E9E5AA2F60A}" type="datetime1">
               <a:rPr lang="en-US" smtClean="0"/>
-              <a:t>8/4/19</a:t>
+              <a:t>8/5/19</a:t>
             </a:fld>
             <a:endParaRPr lang="en-US"/>
           </a:p>
@@ -1360,7 +1361,7 @@
           <a:p>
             <a:fld id="{1F85138A-8953-2A47-BFAD-F0E1E7E33C52}" type="datetime1">
               <a:rPr lang="en-US" smtClean="0"/>
-              <a:t>8/4/19</a:t>
+              <a:t>8/5/19</a:t>
             </a:fld>
             <a:endParaRPr lang="en-US"/>
           </a:p>
@@ -1635,7 +1636,7 @@
           <a:p>
             <a:fld id="{BEA31704-8BD3-F347-8855-F9BB6B31C3F9}" type="datetime1">
               <a:rPr lang="en-US" smtClean="0"/>
-              <a:t>8/4/19</a:t>
+              <a:t>8/5/19</a:t>
             </a:fld>
             <a:endParaRPr lang="en-US"/>
           </a:p>
@@ -1900,7 +1901,7 @@
           <a:p>
             <a:fld id="{943464E5-4A1B-C442-9606-954B37762A70}" type="datetime1">
               <a:rPr lang="en-US" smtClean="0"/>
-              <a:t>8/4/19</a:t>
+              <a:t>8/5/19</a:t>
             </a:fld>
             <a:endParaRPr lang="en-US"/>
           </a:p>
@@ -2312,7 +2313,7 @@
           <a:p>
             <a:fld id="{D53B7C02-A73C-8E45-90C7-D7F42F761753}" type="datetime1">
               <a:rPr lang="en-US" smtClean="0"/>
-              <a:t>8/4/19</a:t>
+              <a:t>8/5/19</a:t>
             </a:fld>
             <a:endParaRPr lang="en-US"/>
           </a:p>
@@ -2453,7 +2454,7 @@
           <a:p>
             <a:fld id="{BD68F70A-A33C-BB41-8AA9-DEAFA6243749}" type="datetime1">
               <a:rPr lang="en-US" smtClean="0"/>
-              <a:t>8/4/19</a:t>
+              <a:t>8/5/19</a:t>
             </a:fld>
             <a:endParaRPr lang="en-US"/>
           </a:p>
@@ -2566,7 +2567,7 @@
           <a:p>
             <a:fld id="{31E11F8A-AF0C-9246-9804-58D08DAA33E3}" type="datetime1">
               <a:rPr lang="en-US" smtClean="0"/>
-              <a:t>8/4/19</a:t>
+              <a:t>8/5/19</a:t>
             </a:fld>
             <a:endParaRPr lang="en-US"/>
           </a:p>
@@ -2877,7 +2878,7 @@
           <a:p>
             <a:fld id="{4D4499FB-B2EF-0944-8140-F6CF33BB10E2}" type="datetime1">
               <a:rPr lang="en-US" smtClean="0"/>
-              <a:t>8/4/19</a:t>
+              <a:t>8/5/19</a:t>
             </a:fld>
             <a:endParaRPr lang="en-US"/>
           </a:p>
@@ -3168,7 +3169,7 @@
           <a:p>
             <a:fld id="{B7093E84-8B0C-1145-B233-4359CB60FC11}" type="datetime1">
               <a:rPr lang="en-US" smtClean="0"/>
-              <a:t>8/4/19</a:t>
+              <a:t>8/5/19</a:t>
             </a:fld>
             <a:endParaRPr lang="en-US"/>
           </a:p>
@@ -3412,7 +3413,7 @@
           <a:p>
             <a:fld id="{DCD0AF03-DF39-FD4E-921C-C8CAF70025DE}" type="datetime1">
               <a:rPr lang="en-US" smtClean="0"/>
-              <a:t>8/4/19</a:t>
+              <a:t>8/5/19</a:t>
             </a:fld>
             <a:endParaRPr lang="en-US" dirty="0"/>
           </a:p>
@@ -13223,8 +13224,8 @@
           </a:prstGeom>
         </p:spPr>
       </p:pic>
-      <mc:AlternateContent xmlns:mc="http://schemas.openxmlformats.org/markup-compatibility/2006">
-        <mc:Choice xmlns:a14="http://schemas.microsoft.com/office/drawing/2010/main" Requires="a14">
+      <mc:AlternateContent xmlns:mc="http://schemas.openxmlformats.org/markup-compatibility/2006" xmlns:a14="http://schemas.microsoft.com/office/drawing/2010/main">
+        <mc:Choice Requires="a14">
           <p:sp>
             <p:nvSpPr>
               <p:cNvPr id="7" name="TextBox 6">
@@ -13335,7 +13336,7 @@
             </p:txBody>
           </p:sp>
         </mc:Choice>
-        <mc:Fallback>
+        <mc:Fallback xmlns="">
           <p:sp>
             <p:nvSpPr>
               <p:cNvPr id="7" name="TextBox 6">
@@ -21478,8 +21479,8 @@
           </a:p>
         </p:txBody>
       </p:sp>
-      <mc:AlternateContent xmlns:mc="http://schemas.openxmlformats.org/markup-compatibility/2006">
-        <mc:Choice xmlns:a14="http://schemas.microsoft.com/office/drawing/2010/main" Requires="a14">
+      <mc:AlternateContent xmlns:mc="http://schemas.openxmlformats.org/markup-compatibility/2006" xmlns:a14="http://schemas.microsoft.com/office/drawing/2010/main">
+        <mc:Choice Requires="a14">
           <p:sp>
             <p:nvSpPr>
               <p:cNvPr id="6" name="TextBox 5">
@@ -21510,6 +21511,7 @@
               </a:bodyPr>
               <a:lstStyle/>
               <a:p>
+                <a:pPr/>
                 <a14:m>
                   <m:oMathPara xmlns:m="http://schemas.openxmlformats.org/officeDocument/2006/math">
                     <m:oMathParaPr>
@@ -21570,7 +21572,7 @@
             </p:txBody>
           </p:sp>
         </mc:Choice>
-        <mc:Fallback>
+        <mc:Fallback xmlns="">
           <p:sp>
             <p:nvSpPr>
               <p:cNvPr id="6" name="TextBox 5">
@@ -21615,8 +21617,8 @@
           </p:sp>
         </mc:Fallback>
       </mc:AlternateContent>
-      <mc:AlternateContent xmlns:mc="http://schemas.openxmlformats.org/markup-compatibility/2006">
-        <mc:Choice xmlns:a14="http://schemas.microsoft.com/office/drawing/2010/main" Requires="a14">
+      <mc:AlternateContent xmlns:mc="http://schemas.openxmlformats.org/markup-compatibility/2006" xmlns:a14="http://schemas.microsoft.com/office/drawing/2010/main">
+        <mc:Choice Requires="a14">
           <p:sp>
             <p:nvSpPr>
               <p:cNvPr id="8" name="TextBox 7">
@@ -21685,7 +21687,7 @@
             </p:txBody>
           </p:sp>
         </mc:Choice>
-        <mc:Fallback>
+        <mc:Fallback xmlns="">
           <p:sp>
             <p:nvSpPr>
               <p:cNvPr id="8" name="TextBox 7">
@@ -21730,8 +21732,8 @@
           </p:sp>
         </mc:Fallback>
       </mc:AlternateContent>
-      <mc:AlternateContent xmlns:mc="http://schemas.openxmlformats.org/markup-compatibility/2006">
-        <mc:Choice xmlns:a14="http://schemas.microsoft.com/office/drawing/2010/main" Requires="a14">
+      <mc:AlternateContent xmlns:mc="http://schemas.openxmlformats.org/markup-compatibility/2006" xmlns:a14="http://schemas.microsoft.com/office/drawing/2010/main">
+        <mc:Choice Requires="a14">
           <p:sp>
             <p:nvSpPr>
               <p:cNvPr id="9" name="TextBox 8">
@@ -21762,6 +21764,7 @@
               </a:bodyPr>
               <a:lstStyle/>
               <a:p>
+                <a:pPr/>
                 <a14:m>
                   <m:oMathPara xmlns:m="http://schemas.openxmlformats.org/officeDocument/2006/math">
                     <m:oMathParaPr>
@@ -21822,7 +21825,7 @@
             </p:txBody>
           </p:sp>
         </mc:Choice>
-        <mc:Fallback>
+        <mc:Fallback xmlns="">
           <p:sp>
             <p:nvSpPr>
               <p:cNvPr id="9" name="TextBox 8">
@@ -21867,8 +21870,8 @@
           </p:sp>
         </mc:Fallback>
       </mc:AlternateContent>
-      <mc:AlternateContent xmlns:mc="http://schemas.openxmlformats.org/markup-compatibility/2006">
-        <mc:Choice xmlns:a14="http://schemas.microsoft.com/office/drawing/2010/main" Requires="a14">
+      <mc:AlternateContent xmlns:mc="http://schemas.openxmlformats.org/markup-compatibility/2006" xmlns:a14="http://schemas.microsoft.com/office/drawing/2010/main">
+        <mc:Choice Requires="a14">
           <p:sp>
             <p:nvSpPr>
               <p:cNvPr id="10" name="TextBox 9">
@@ -21899,6 +21902,7 @@
               </a:bodyPr>
               <a:lstStyle/>
               <a:p>
+                <a:pPr/>
                 <a14:m>
                   <m:oMathPara xmlns:m="http://schemas.openxmlformats.org/officeDocument/2006/math">
                     <m:oMathParaPr>
@@ -21959,7 +21963,7 @@
             </p:txBody>
           </p:sp>
         </mc:Choice>
-        <mc:Fallback>
+        <mc:Fallback xmlns="">
           <p:sp>
             <p:nvSpPr>
               <p:cNvPr id="10" name="TextBox 9">
@@ -23028,8 +23032,8 @@
           </a:p>
         </p:txBody>
       </p:sp>
-      <mc:AlternateContent xmlns:mc="http://schemas.openxmlformats.org/markup-compatibility/2006">
-        <mc:Choice xmlns:a14="http://schemas.microsoft.com/office/drawing/2010/main" Requires="a14">
+      <mc:AlternateContent xmlns:mc="http://schemas.openxmlformats.org/markup-compatibility/2006" xmlns:a14="http://schemas.microsoft.com/office/drawing/2010/main">
+        <mc:Choice Requires="a14">
           <p:sp>
             <p:nvSpPr>
               <p:cNvPr id="3" name="Content Placeholder 2">
@@ -23158,7 +23162,7 @@
             </p:txBody>
           </p:sp>
         </mc:Choice>
-        <mc:Fallback>
+        <mc:Fallback xmlns="">
           <p:sp>
             <p:nvSpPr>
               <p:cNvPr id="3" name="Content Placeholder 2">
@@ -24710,41 +24714,12 @@
               </a:lnSpc>
             </a:pPr>
             <a:r>
-              <a:rPr lang="en-US" dirty="0"/>
-              <a:t>Currently microscopic approaches struggle in precision across kinematic ranges or nuclei</a:t>
-            </a:r>
-          </a:p>
-          <a:p>
-            <a:pPr lvl="1">
-              <a:lnSpc>
-                <a:spcPct val="100000"/>
-              </a:lnSpc>
-            </a:pPr>
-            <a:r>
-              <a:rPr lang="en-US" dirty="0"/>
-              <a:t>Can be used to guide phenomenological models</a:t>
-            </a:r>
-          </a:p>
-          <a:p>
-            <a:pPr lvl="1">
-              <a:lnSpc>
-                <a:spcPct val="100000"/>
-              </a:lnSpc>
-            </a:pPr>
-            <a:r>
-              <a:rPr lang="en-US" dirty="0"/>
-              <a:t>Necessary to understand what components are key in computing microscopic models</a:t>
-            </a:r>
-          </a:p>
-          <a:p>
-            <a:pPr>
-              <a:lnSpc>
-                <a:spcPct val="100000"/>
-              </a:lnSpc>
-            </a:pPr>
-            <a:r>
-              <a:rPr lang="en-US" dirty="0"/>
-              <a:t>Need to further understand uncertainty quantification in optical potentials to reliably compare different models</a:t>
+              <a:rPr lang="en-US" dirty="0">
+                <a:solidFill>
+                  <a:srgbClr val="C00000"/>
+                </a:solidFill>
+              </a:rPr>
+              <a:t>Factorization of nuclear structure from the scattering probe is important for extracting information on process independent quantities</a:t>
             </a:r>
           </a:p>
           <a:p>
@@ -24759,8 +24734,20 @@
                   <a:srgbClr val="C00000"/>
                 </a:solidFill>
               </a:rPr>
-              <a:t>Can use renormalization group (RG) methods to investigate scheme dependence in factorization of nuclear structure from the scattering probe</a:t>
+              <a:t>The Similarity Renormalization Group (SRG) is a tool that can be used to analyze scale and scheme dependence of optical potentials</a:t>
             </a:r>
+          </a:p>
+          <a:p>
+            <a:pPr>
+              <a:lnSpc>
+                <a:spcPct val="100000"/>
+              </a:lnSpc>
+            </a:pPr>
+            <a:endParaRPr lang="en-US" sz="2600" dirty="0">
+              <a:solidFill>
+                <a:srgbClr val="C00000"/>
+              </a:solidFill>
+            </a:endParaRPr>
           </a:p>
         </p:txBody>
       </p:sp>
@@ -28406,6 +28393,189 @@
     <p:extLst>
       <p:ext uri="{BB962C8B-B14F-4D97-AF65-F5344CB8AC3E}">
         <p14:creationId xmlns:p14="http://schemas.microsoft.com/office/powerpoint/2010/main" val="3358128560"/>
+      </p:ext>
+    </p:extLst>
+  </p:cSld>
+  <p:clrMapOvr>
+    <a:masterClrMapping/>
+  </p:clrMapOvr>
+</p:sld>
+</file>
+
+<file path=ppt/slides/slide48.xml><?xml version="1.0" encoding="utf-8"?>
+<p:sld xmlns:a="http://schemas.openxmlformats.org/drawingml/2006/main" xmlns:r="http://schemas.openxmlformats.org/officeDocument/2006/relationships" xmlns:p="http://schemas.openxmlformats.org/presentationml/2006/main">
+  <p:cSld>
+    <p:spTree>
+      <p:nvGrpSpPr>
+        <p:cNvPr id="1" name=""/>
+        <p:cNvGrpSpPr/>
+        <p:nvPr/>
+      </p:nvGrpSpPr>
+      <p:grpSpPr>
+        <a:xfrm>
+          <a:off x="0" y="0"/>
+          <a:ext cx="0" cy="0"/>
+          <a:chOff x="0" y="0"/>
+          <a:chExt cx="0" cy="0"/>
+        </a:xfrm>
+      </p:grpSpPr>
+      <p:sp>
+        <p:nvSpPr>
+          <p:cNvPr id="2" name="Title 1">
+            <a:extLst>
+              <a:ext uri="{FF2B5EF4-FFF2-40B4-BE49-F238E27FC236}">
+                <a16:creationId xmlns:a16="http://schemas.microsoft.com/office/drawing/2014/main" id="{9FECE9C7-FBB0-B54D-8E92-C3BC6CA96ED2}"/>
+              </a:ext>
+            </a:extLst>
+          </p:cNvPr>
+          <p:cNvSpPr>
+            <a:spLocks noGrp="1"/>
+          </p:cNvSpPr>
+          <p:nvPr>
+            <p:ph type="title"/>
+          </p:nvPr>
+        </p:nvSpPr>
+        <p:spPr/>
+        <p:txBody>
+          <a:bodyPr/>
+          <a:lstStyle/>
+          <a:p>
+            <a:pPr>
+              <a:lnSpc>
+                <a:spcPct val="100000"/>
+              </a:lnSpc>
+            </a:pPr>
+            <a:r>
+              <a:rPr lang="en-US" dirty="0">
+                <a:solidFill>
+                  <a:srgbClr val="002060"/>
+                </a:solidFill>
+              </a:rPr>
+              <a:t>Outlook</a:t>
+            </a:r>
+            <a:endParaRPr lang="en-US" dirty="0">
+              <a:solidFill>
+                <a:srgbClr val="002060"/>
+              </a:solidFill>
+              <a:latin typeface="Arial" panose="020B0604020202020204" pitchFamily="34" charset="0"/>
+            </a:endParaRPr>
+          </a:p>
+        </p:txBody>
+      </p:sp>
+      <p:sp>
+        <p:nvSpPr>
+          <p:cNvPr id="3" name="Content Placeholder 2">
+            <a:extLst>
+              <a:ext uri="{FF2B5EF4-FFF2-40B4-BE49-F238E27FC236}">
+                <a16:creationId xmlns:a16="http://schemas.microsoft.com/office/drawing/2014/main" id="{1A8FA9B3-1B32-894B-93C2-F90FB63CBDAA}"/>
+              </a:ext>
+            </a:extLst>
+          </p:cNvPr>
+          <p:cNvSpPr>
+            <a:spLocks noGrp="1"/>
+          </p:cNvSpPr>
+          <p:nvPr>
+            <p:ph idx="1"/>
+          </p:nvPr>
+        </p:nvSpPr>
+        <p:spPr/>
+        <p:txBody>
+          <a:bodyPr/>
+          <a:lstStyle/>
+          <a:p>
+            <a:pPr>
+              <a:lnSpc>
+                <a:spcPct val="100000"/>
+              </a:lnSpc>
+            </a:pPr>
+            <a:r>
+              <a:rPr lang="en-US" sz="2600" dirty="0"/>
+              <a:t>Currently microscopic approaches struggle in precision across kinematic ranges or nuclei</a:t>
+            </a:r>
+          </a:p>
+          <a:p>
+            <a:pPr lvl="1">
+              <a:lnSpc>
+                <a:spcPct val="100000"/>
+              </a:lnSpc>
+            </a:pPr>
+            <a:r>
+              <a:rPr lang="en-US" sz="2200" dirty="0"/>
+              <a:t>Can be used to guide phenomenological models</a:t>
+            </a:r>
+          </a:p>
+          <a:p>
+            <a:pPr lvl="1">
+              <a:lnSpc>
+                <a:spcPct val="100000"/>
+              </a:lnSpc>
+            </a:pPr>
+            <a:r>
+              <a:rPr lang="en-US" sz="2200" dirty="0"/>
+              <a:t>Necessary to understand what components are key in computing microscopic models</a:t>
+            </a:r>
+          </a:p>
+          <a:p>
+            <a:pPr>
+              <a:lnSpc>
+                <a:spcPct val="100000"/>
+              </a:lnSpc>
+            </a:pPr>
+            <a:r>
+              <a:rPr lang="en-US" sz="2600" dirty="0"/>
+              <a:t>Need to further understand uncertainty quantification in optical potentials to reliably compare different models</a:t>
+            </a:r>
+          </a:p>
+          <a:p>
+            <a:pPr>
+              <a:lnSpc>
+                <a:spcPct val="100000"/>
+              </a:lnSpc>
+            </a:pPr>
+            <a:r>
+              <a:rPr lang="en-US" sz="2600" dirty="0">
+                <a:solidFill>
+                  <a:srgbClr val="C00000"/>
+                </a:solidFill>
+              </a:rPr>
+              <a:t>Can use renormalization group (RG) methods to investigate scheme dependence in factorization of nuclear structure from the scattering probe</a:t>
+            </a:r>
+          </a:p>
+        </p:txBody>
+      </p:sp>
+      <p:sp>
+        <p:nvSpPr>
+          <p:cNvPr id="5" name="Slide Number Placeholder 4">
+            <a:extLst>
+              <a:ext uri="{FF2B5EF4-FFF2-40B4-BE49-F238E27FC236}">
+                <a16:creationId xmlns:a16="http://schemas.microsoft.com/office/drawing/2014/main" id="{899909DE-6F55-8E42-9188-97B921D683A3}"/>
+              </a:ext>
+            </a:extLst>
+          </p:cNvPr>
+          <p:cNvSpPr>
+            <a:spLocks noGrp="1"/>
+          </p:cNvSpPr>
+          <p:nvPr>
+            <p:ph type="sldNum" sz="quarter" idx="12"/>
+          </p:nvPr>
+        </p:nvSpPr>
+        <p:spPr/>
+        <p:txBody>
+          <a:bodyPr/>
+          <a:lstStyle/>
+          <a:p>
+            <a:fld id="{DD20F09D-B375-B446-8D61-90653E4EE1AB}" type="slidenum">
+              <a:rPr lang="en-US" smtClean="0"/>
+              <a:t>48</a:t>
+            </a:fld>
+            <a:endParaRPr lang="en-US"/>
+          </a:p>
+        </p:txBody>
+      </p:sp>
+    </p:spTree>
+    <p:extLst>
+      <p:ext uri="{BB962C8B-B14F-4D97-AF65-F5344CB8AC3E}">
+        <p14:creationId xmlns:p14="http://schemas.microsoft.com/office/powerpoint/2010/main" val="2181813107"/>
       </p:ext>
     </p:extLst>
   </p:cSld>
